--- a/Day_5_Training_Classes_Objects_Iterators.pptx
+++ b/Day_5_Training_Classes_Objects_Iterators.pptx
@@ -5,12 +5,22 @@
     <p:sldMasterId id="2147483648" r:id="rId1"/>
   </p:sldMasterIdLst>
   <p:notesMasterIdLst>
-    <p:notesMasterId r:id="rId5"/>
+    <p:notesMasterId r:id="rId15"/>
   </p:notesMasterIdLst>
   <p:sldIdLst>
     <p:sldId id="327" r:id="rId2"/>
-    <p:sldId id="316" r:id="rId3"/>
-    <p:sldId id="326" r:id="rId4"/>
+    <p:sldId id="328" r:id="rId3"/>
+    <p:sldId id="335" r:id="rId4"/>
+    <p:sldId id="336" r:id="rId5"/>
+    <p:sldId id="337" r:id="rId6"/>
+    <p:sldId id="326" r:id="rId7"/>
+    <p:sldId id="339" r:id="rId8"/>
+    <p:sldId id="338" r:id="rId9"/>
+    <p:sldId id="329" r:id="rId10"/>
+    <p:sldId id="330" r:id="rId11"/>
+    <p:sldId id="331" r:id="rId12"/>
+    <p:sldId id="332" r:id="rId13"/>
+    <p:sldId id="333" r:id="rId14"/>
   </p:sldIdLst>
   <p:sldSz cx="12192000" cy="6858000"/>
   <p:notesSz cx="6858000" cy="9144000"/>
@@ -111,7 +121,7 @@
   </p:defaultTextStyle>
   <p:extLst>
     <p:ext uri="{EFAFB233-063F-42B5-8137-9DF3F51BA10A}">
-      <p15:sldGuideLst xmlns="" xmlns:p15="http://schemas.microsoft.com/office/powerpoint/2012/main">
+      <p15:sldGuideLst xmlns:p15="http://schemas.microsoft.com/office/powerpoint/2012/main">
         <p15:guide id="1" orient="horz" pos="2160">
           <p15:clr>
             <a:srgbClr val="A4A3A4"/>
@@ -211,7 +221,7 @@
             <a:fld id="{2DFA8FBC-D085-4302-8AB4-CB22D5B87B17}" type="datetimeFigureOut">
               <a:rPr lang="en-US" smtClean="0"/>
               <a:pPr/>
-              <a:t>17-Jun-18</a:t>
+              <a:t>6/17/2018</a:t>
             </a:fld>
             <a:endParaRPr lang="en-US"/>
           </a:p>
@@ -379,7 +389,7 @@
     </p:spTree>
     <p:extLst>
       <p:ext uri="{BB962C8B-B14F-4D97-AF65-F5344CB8AC3E}">
-        <p14:creationId xmlns="" xmlns:p14="http://schemas.microsoft.com/office/powerpoint/2010/main" val="3868381238"/>
+        <p14:creationId xmlns:p14="http://schemas.microsoft.com/office/powerpoint/2010/main" val="3868381238"/>
       </p:ext>
     </p:extLst>
   </p:cSld>
@@ -609,7 +619,7 @@
             <a:fld id="{635C9E52-7876-4467-B2E3-4E8A0FFE6CA5}" type="datetimeFigureOut">
               <a:rPr lang="en-US" smtClean="0"/>
               <a:pPr/>
-              <a:t>17-Jun-18</a:t>
+              <a:t>6/17/2018</a:t>
             </a:fld>
             <a:endParaRPr lang="en-US"/>
           </a:p>
@@ -661,7 +671,7 @@
     </p:spTree>
     <p:extLst>
       <p:ext uri="{BB962C8B-B14F-4D97-AF65-F5344CB8AC3E}">
-        <p14:creationId xmlns="" xmlns:p14="http://schemas.microsoft.com/office/powerpoint/2010/main" val="3169153744"/>
+        <p14:creationId xmlns:p14="http://schemas.microsoft.com/office/powerpoint/2010/main" val="3169153744"/>
       </p:ext>
     </p:extLst>
   </p:cSld>
@@ -779,7 +789,7 @@
             <a:fld id="{635C9E52-7876-4467-B2E3-4E8A0FFE6CA5}" type="datetimeFigureOut">
               <a:rPr lang="en-US" smtClean="0"/>
               <a:pPr/>
-              <a:t>17-Jun-18</a:t>
+              <a:t>6/17/2018</a:t>
             </a:fld>
             <a:endParaRPr lang="en-US"/>
           </a:p>
@@ -831,7 +841,7 @@
     </p:spTree>
     <p:extLst>
       <p:ext uri="{BB962C8B-B14F-4D97-AF65-F5344CB8AC3E}">
-        <p14:creationId xmlns="" xmlns:p14="http://schemas.microsoft.com/office/powerpoint/2010/main" val="1593433582"/>
+        <p14:creationId xmlns:p14="http://schemas.microsoft.com/office/powerpoint/2010/main" val="1593433582"/>
       </p:ext>
     </p:extLst>
   </p:cSld>
@@ -959,7 +969,7 @@
             <a:fld id="{635C9E52-7876-4467-B2E3-4E8A0FFE6CA5}" type="datetimeFigureOut">
               <a:rPr lang="en-US" smtClean="0"/>
               <a:pPr/>
-              <a:t>17-Jun-18</a:t>
+              <a:t>6/17/2018</a:t>
             </a:fld>
             <a:endParaRPr lang="en-US"/>
           </a:p>
@@ -1011,7 +1021,7 @@
     </p:spTree>
     <p:extLst>
       <p:ext uri="{BB962C8B-B14F-4D97-AF65-F5344CB8AC3E}">
-        <p14:creationId xmlns="" xmlns:p14="http://schemas.microsoft.com/office/powerpoint/2010/main" val="2045208562"/>
+        <p14:creationId xmlns:p14="http://schemas.microsoft.com/office/powerpoint/2010/main" val="2045208562"/>
       </p:ext>
     </p:extLst>
   </p:cSld>
@@ -1129,7 +1139,7 @@
             <a:fld id="{635C9E52-7876-4467-B2E3-4E8A0FFE6CA5}" type="datetimeFigureOut">
               <a:rPr lang="en-US" smtClean="0"/>
               <a:pPr/>
-              <a:t>17-Jun-18</a:t>
+              <a:t>6/17/2018</a:t>
             </a:fld>
             <a:endParaRPr lang="en-US"/>
           </a:p>
@@ -1181,7 +1191,7 @@
     </p:spTree>
     <p:extLst>
       <p:ext uri="{BB962C8B-B14F-4D97-AF65-F5344CB8AC3E}">
-        <p14:creationId xmlns="" xmlns:p14="http://schemas.microsoft.com/office/powerpoint/2010/main" val="4062740986"/>
+        <p14:creationId xmlns:p14="http://schemas.microsoft.com/office/powerpoint/2010/main" val="4062740986"/>
       </p:ext>
     </p:extLst>
   </p:cSld>
@@ -1376,7 +1386,7 @@
             <a:fld id="{635C9E52-7876-4467-B2E3-4E8A0FFE6CA5}" type="datetimeFigureOut">
               <a:rPr lang="en-US" smtClean="0"/>
               <a:pPr/>
-              <a:t>17-Jun-18</a:t>
+              <a:t>6/17/2018</a:t>
             </a:fld>
             <a:endParaRPr lang="en-US"/>
           </a:p>
@@ -1428,7 +1438,7 @@
     </p:spTree>
     <p:extLst>
       <p:ext uri="{BB962C8B-B14F-4D97-AF65-F5344CB8AC3E}">
-        <p14:creationId xmlns="" xmlns:p14="http://schemas.microsoft.com/office/powerpoint/2010/main" val="3710308980"/>
+        <p14:creationId xmlns:p14="http://schemas.microsoft.com/office/powerpoint/2010/main" val="3710308980"/>
       </p:ext>
     </p:extLst>
   </p:cSld>
@@ -1607,7 +1617,7 @@
             <a:fld id="{635C9E52-7876-4467-B2E3-4E8A0FFE6CA5}" type="datetimeFigureOut">
               <a:rPr lang="en-US" smtClean="0"/>
               <a:pPr/>
-              <a:t>17-Jun-18</a:t>
+              <a:t>6/17/2018</a:t>
             </a:fld>
             <a:endParaRPr lang="en-US"/>
           </a:p>
@@ -1659,7 +1669,7 @@
     </p:spTree>
     <p:extLst>
       <p:ext uri="{BB962C8B-B14F-4D97-AF65-F5344CB8AC3E}">
-        <p14:creationId xmlns="" xmlns:p14="http://schemas.microsoft.com/office/powerpoint/2010/main" val="999681537"/>
+        <p14:creationId xmlns:p14="http://schemas.microsoft.com/office/powerpoint/2010/main" val="999681537"/>
       </p:ext>
     </p:extLst>
   </p:cSld>
@@ -1973,7 +1983,7 @@
             <a:fld id="{635C9E52-7876-4467-B2E3-4E8A0FFE6CA5}" type="datetimeFigureOut">
               <a:rPr lang="en-US" smtClean="0"/>
               <a:pPr/>
-              <a:t>17-Jun-18</a:t>
+              <a:t>6/17/2018</a:t>
             </a:fld>
             <a:endParaRPr lang="en-US"/>
           </a:p>
@@ -2025,7 +2035,7 @@
     </p:spTree>
     <p:extLst>
       <p:ext uri="{BB962C8B-B14F-4D97-AF65-F5344CB8AC3E}">
-        <p14:creationId xmlns="" xmlns:p14="http://schemas.microsoft.com/office/powerpoint/2010/main" val="2604405924"/>
+        <p14:creationId xmlns:p14="http://schemas.microsoft.com/office/powerpoint/2010/main" val="2604405924"/>
       </p:ext>
     </p:extLst>
   </p:cSld>
@@ -2092,7 +2102,7 @@
             <a:fld id="{635C9E52-7876-4467-B2E3-4E8A0FFE6CA5}" type="datetimeFigureOut">
               <a:rPr lang="en-US" smtClean="0"/>
               <a:pPr/>
-              <a:t>17-Jun-18</a:t>
+              <a:t>6/17/2018</a:t>
             </a:fld>
             <a:endParaRPr lang="en-US"/>
           </a:p>
@@ -2144,7 +2154,7 @@
     </p:spTree>
     <p:extLst>
       <p:ext uri="{BB962C8B-B14F-4D97-AF65-F5344CB8AC3E}">
-        <p14:creationId xmlns="" xmlns:p14="http://schemas.microsoft.com/office/powerpoint/2010/main" val="3598578073"/>
+        <p14:creationId xmlns:p14="http://schemas.microsoft.com/office/powerpoint/2010/main" val="3598578073"/>
       </p:ext>
     </p:extLst>
   </p:cSld>
@@ -2189,7 +2199,7 @@
             <a:fld id="{635C9E52-7876-4467-B2E3-4E8A0FFE6CA5}" type="datetimeFigureOut">
               <a:rPr lang="en-US" smtClean="0"/>
               <a:pPr/>
-              <a:t>17-Jun-18</a:t>
+              <a:t>6/17/2018</a:t>
             </a:fld>
             <a:endParaRPr lang="en-US"/>
           </a:p>
@@ -2241,7 +2251,7 @@
     </p:spTree>
     <p:extLst>
       <p:ext uri="{BB962C8B-B14F-4D97-AF65-F5344CB8AC3E}">
-        <p14:creationId xmlns="" xmlns:p14="http://schemas.microsoft.com/office/powerpoint/2010/main" val="1343340343"/>
+        <p14:creationId xmlns:p14="http://schemas.microsoft.com/office/powerpoint/2010/main" val="1343340343"/>
       </p:ext>
     </p:extLst>
   </p:cSld>
@@ -2466,7 +2476,7 @@
             <a:fld id="{635C9E52-7876-4467-B2E3-4E8A0FFE6CA5}" type="datetimeFigureOut">
               <a:rPr lang="en-US" smtClean="0"/>
               <a:pPr/>
-              <a:t>17-Jun-18</a:t>
+              <a:t>6/17/2018</a:t>
             </a:fld>
             <a:endParaRPr lang="en-US"/>
           </a:p>
@@ -2518,7 +2528,7 @@
     </p:spTree>
     <p:extLst>
       <p:ext uri="{BB962C8B-B14F-4D97-AF65-F5344CB8AC3E}">
-        <p14:creationId xmlns="" xmlns:p14="http://schemas.microsoft.com/office/powerpoint/2010/main" val="366575480"/>
+        <p14:creationId xmlns:p14="http://schemas.microsoft.com/office/powerpoint/2010/main" val="366575480"/>
       </p:ext>
     </p:extLst>
   </p:cSld>
@@ -2720,7 +2730,7 @@
             <a:fld id="{635C9E52-7876-4467-B2E3-4E8A0FFE6CA5}" type="datetimeFigureOut">
               <a:rPr lang="en-US" smtClean="0"/>
               <a:pPr/>
-              <a:t>17-Jun-18</a:t>
+              <a:t>6/17/2018</a:t>
             </a:fld>
             <a:endParaRPr lang="en-US"/>
           </a:p>
@@ -2772,7 +2782,7 @@
     </p:spTree>
     <p:extLst>
       <p:ext uri="{BB962C8B-B14F-4D97-AF65-F5344CB8AC3E}">
-        <p14:creationId xmlns="" xmlns:p14="http://schemas.microsoft.com/office/powerpoint/2010/main" val="3892718129"/>
+        <p14:creationId xmlns:p14="http://schemas.microsoft.com/office/powerpoint/2010/main" val="3892718129"/>
       </p:ext>
     </p:extLst>
   </p:cSld>
@@ -2933,7 +2943,7 @@
             <a:fld id="{635C9E52-7876-4467-B2E3-4E8A0FFE6CA5}" type="datetimeFigureOut">
               <a:rPr lang="en-US" smtClean="0"/>
               <a:pPr/>
-              <a:t>17-Jun-18</a:t>
+              <a:t>6/17/2018</a:t>
             </a:fld>
             <a:endParaRPr lang="en-US"/>
           </a:p>
@@ -3021,7 +3031,7 @@
     </p:spTree>
     <p:extLst>
       <p:ext uri="{BB962C8B-B14F-4D97-AF65-F5344CB8AC3E}">
-        <p14:creationId xmlns="" xmlns:p14="http://schemas.microsoft.com/office/powerpoint/2010/main" val="228264506"/>
+        <p14:creationId xmlns:p14="http://schemas.microsoft.com/office/powerpoint/2010/main" val="228264506"/>
       </p:ext>
     </p:extLst>
   </p:cSld>
@@ -3355,11 +3365,99 @@
           <a:lstStyle/>
           <a:p>
             <a:r>
-              <a:rPr lang="en-US" dirty="0" smtClean="0"/>
+              <a:rPr lang="en-US" b="1" dirty="0"/>
               <a:t>Python Objects -Classes</a:t>
             </a:r>
+          </a:p>
+        </p:txBody>
+      </p:sp>
+      <p:sp>
+        <p:nvSpPr>
+          <p:cNvPr id="3" name="Content Placeholder 2"/>
+          <p:cNvSpPr>
+            <a:spLocks noGrp="1"/>
+          </p:cNvSpPr>
+          <p:nvPr>
+            <p:ph idx="1"/>
+          </p:nvPr>
+        </p:nvSpPr>
+        <p:spPr>
+          <a:xfrm>
+            <a:off x="838200" y="2107933"/>
+            <a:ext cx="10515600" cy="4069030"/>
+          </a:xfrm>
+        </p:spPr>
+        <p:txBody>
+          <a:bodyPr/>
+          <a:lstStyle/>
+          <a:p>
+            <a:r>
+              <a:rPr lang="en-US" dirty="0"/>
+              <a:t>A class is a code template for creating objects. Objects have member variables and have behavior associated with them. In python a class is created by the keyword class.</a:t>
+            </a:r>
+          </a:p>
+          <a:p>
             <a:endParaRPr lang="en-US" dirty="0"/>
           </a:p>
+          <a:p>
+            <a:r>
+              <a:rPr lang="en-US" dirty="0"/>
+              <a:t>An object is created using the constructor of the class. This object will then be called the instance of the class. In Python we create instances in the following manner</a:t>
+            </a:r>
+            <a:endParaRPr lang="en-US" dirty="0"/>
+          </a:p>
+        </p:txBody>
+      </p:sp>
+    </p:spTree>
+  </p:cSld>
+  <p:clrMapOvr>
+    <a:masterClrMapping/>
+  </p:clrMapOvr>
+</p:sld>
+</file>
+
+<file path=ppt/slides/slide10.xml><?xml version="1.0" encoding="utf-8"?>
+<p:sld xmlns:a="http://schemas.openxmlformats.org/drawingml/2006/main" xmlns:r="http://schemas.openxmlformats.org/officeDocument/2006/relationships" xmlns:p="http://schemas.openxmlformats.org/presentationml/2006/main">
+  <p:cSld>
+    <p:spTree>
+      <p:nvGrpSpPr>
+        <p:cNvPr id="1" name=""/>
+        <p:cNvGrpSpPr/>
+        <p:nvPr/>
+      </p:nvGrpSpPr>
+      <p:grpSpPr>
+        <a:xfrm>
+          <a:off x="0" y="0"/>
+          <a:ext cx="0" cy="0"/>
+          <a:chOff x="0" y="0"/>
+          <a:chExt cx="0" cy="0"/>
+        </a:xfrm>
+      </p:grpSpPr>
+      <p:sp>
+        <p:nvSpPr>
+          <p:cNvPr id="2" name="Title 1"/>
+          <p:cNvSpPr>
+            <a:spLocks noGrp="1"/>
+          </p:cNvSpPr>
+          <p:nvPr>
+            <p:ph type="title"/>
+          </p:nvPr>
+        </p:nvSpPr>
+        <p:spPr>
+          <a:xfrm>
+            <a:off x="838200" y="365126"/>
+            <a:ext cx="10515600" cy="817632"/>
+          </a:xfrm>
+        </p:spPr>
+        <p:txBody>
+          <a:bodyPr/>
+          <a:lstStyle/>
+          <a:p>
+            <a:r>
+              <a:rPr lang="en-US" b="1" dirty="0"/>
+              <a:t>Iterator example- Continued..</a:t>
+            </a:r>
+          </a:p>
         </p:txBody>
       </p:sp>
       <p:sp>
@@ -3374,14 +3472,843 @@
         </p:nvSpPr>
         <p:spPr/>
         <p:txBody>
+          <a:bodyPr>
+            <a:normAutofit fontScale="55000" lnSpcReduction="20000"/>
+          </a:bodyPr>
+          <a:lstStyle/>
+          <a:p>
+            <a:pPr marL="0" indent="0">
+              <a:buNone/>
+            </a:pPr>
+            <a:r>
+              <a:rPr lang="en-US" dirty="0"/>
+              <a:t> # Stop iteration if limit is reached</a:t>
+            </a:r>
+          </a:p>
+          <a:p>
+            <a:pPr marL="0" indent="0">
+              <a:buNone/>
+            </a:pPr>
+            <a:r>
+              <a:rPr lang="en-US" dirty="0"/>
+              <a:t>        if x &gt; </a:t>
+            </a:r>
+            <a:r>
+              <a:rPr lang="en-US" dirty="0" err="1"/>
+              <a:t>self.limit</a:t>
+            </a:r>
+            <a:r>
+              <a:rPr lang="en-US" dirty="0"/>
+              <a:t>:</a:t>
+            </a:r>
+          </a:p>
+          <a:p>
+            <a:pPr marL="0" indent="0">
+              <a:buNone/>
+            </a:pPr>
+            <a:r>
+              <a:rPr lang="en-US" dirty="0"/>
+              <a:t>            raise </a:t>
+            </a:r>
+            <a:r>
+              <a:rPr lang="en-US" dirty="0" err="1"/>
+              <a:t>StopIteration</a:t>
+            </a:r>
+            <a:endParaRPr lang="en-US" dirty="0"/>
+          </a:p>
+          <a:p>
+            <a:pPr marL="0" indent="0">
+              <a:buNone/>
+            </a:pPr>
+            <a:r>
+              <a:rPr lang="en-US" dirty="0"/>
+              <a:t> </a:t>
+            </a:r>
+          </a:p>
+          <a:p>
+            <a:pPr marL="0" indent="0">
+              <a:buNone/>
+            </a:pPr>
+            <a:r>
+              <a:rPr lang="en-US" dirty="0"/>
+              <a:t>        # Else increment and return old value</a:t>
+            </a:r>
+          </a:p>
+          <a:p>
+            <a:pPr marL="0" indent="0">
+              <a:buNone/>
+            </a:pPr>
+            <a:r>
+              <a:rPr lang="en-US" dirty="0"/>
+              <a:t>        </a:t>
+            </a:r>
+            <a:r>
+              <a:rPr lang="en-US" dirty="0" err="1"/>
+              <a:t>self.x</a:t>
+            </a:r>
+            <a:r>
+              <a:rPr lang="en-US" dirty="0"/>
+              <a:t> = x + 1;</a:t>
+            </a:r>
+          </a:p>
+          <a:p>
+            <a:pPr marL="0" indent="0">
+              <a:buNone/>
+            </a:pPr>
+            <a:r>
+              <a:rPr lang="en-US" dirty="0"/>
+              <a:t>        return x</a:t>
+            </a:r>
+          </a:p>
+          <a:p>
+            <a:pPr marL="0" indent="0">
+              <a:buNone/>
+            </a:pPr>
+            <a:endParaRPr lang="en-US" dirty="0"/>
+          </a:p>
+          <a:p>
+            <a:pPr marL="0" indent="0">
+              <a:buNone/>
+            </a:pPr>
+            <a:r>
+              <a:rPr lang="en-US" dirty="0"/>
+              <a:t># Prints numbers from 10 to 15</a:t>
+            </a:r>
+          </a:p>
+          <a:p>
+            <a:pPr marL="0" indent="0">
+              <a:buNone/>
+            </a:pPr>
+            <a:r>
+              <a:rPr lang="en-US" dirty="0"/>
+              <a:t>for </a:t>
+            </a:r>
+            <a:r>
+              <a:rPr lang="en-US" dirty="0" err="1"/>
+              <a:t>i</a:t>
+            </a:r>
+            <a:r>
+              <a:rPr lang="en-US" dirty="0"/>
+              <a:t> in Test(15):</a:t>
+            </a:r>
+          </a:p>
+          <a:p>
+            <a:pPr marL="0" indent="0">
+              <a:buNone/>
+            </a:pPr>
+            <a:r>
+              <a:rPr lang="en-US" dirty="0"/>
+              <a:t>    print(</a:t>
+            </a:r>
+            <a:r>
+              <a:rPr lang="en-US" dirty="0" err="1"/>
+              <a:t>i</a:t>
+            </a:r>
+            <a:r>
+              <a:rPr lang="en-US" dirty="0"/>
+              <a:t>)</a:t>
+            </a:r>
+          </a:p>
+          <a:p>
+            <a:pPr marL="0" indent="0">
+              <a:buNone/>
+            </a:pPr>
+            <a:r>
+              <a:rPr lang="en-US" dirty="0"/>
+              <a:t> </a:t>
+            </a:r>
+          </a:p>
+          <a:p>
+            <a:pPr marL="0" indent="0">
+              <a:buNone/>
+            </a:pPr>
+            <a:r>
+              <a:rPr lang="en-US" dirty="0"/>
+              <a:t># Prints nothing</a:t>
+            </a:r>
+          </a:p>
+          <a:p>
+            <a:pPr marL="0" indent="0">
+              <a:buNone/>
+            </a:pPr>
+            <a:r>
+              <a:rPr lang="en-US" dirty="0"/>
+              <a:t>for </a:t>
+            </a:r>
+            <a:r>
+              <a:rPr lang="en-US" dirty="0" err="1"/>
+              <a:t>i</a:t>
+            </a:r>
+            <a:r>
+              <a:rPr lang="en-US" dirty="0"/>
+              <a:t> in Test(5):</a:t>
+            </a:r>
+          </a:p>
+          <a:p>
+            <a:pPr marL="0" indent="0">
+              <a:buNone/>
+            </a:pPr>
+            <a:r>
+              <a:rPr lang="en-US" dirty="0"/>
+              <a:t>    print(</a:t>
+            </a:r>
+            <a:r>
+              <a:rPr lang="en-US" dirty="0" err="1"/>
+              <a:t>i</a:t>
+            </a:r>
+            <a:r>
+              <a:rPr lang="en-US" dirty="0"/>
+              <a:t>)</a:t>
+            </a:r>
+            <a:endParaRPr lang="en-US" dirty="0"/>
+          </a:p>
+        </p:txBody>
+      </p:sp>
+    </p:spTree>
+    <p:extLst>
+      <p:ext uri="{BB962C8B-B14F-4D97-AF65-F5344CB8AC3E}">
+        <p14:creationId xmlns:p14="http://schemas.microsoft.com/office/powerpoint/2010/main" val="1808073025"/>
+      </p:ext>
+    </p:extLst>
+  </p:cSld>
+  <p:clrMapOvr>
+    <a:masterClrMapping/>
+  </p:clrMapOvr>
+</p:sld>
+</file>
+
+<file path=ppt/slides/slide11.xml><?xml version="1.0" encoding="utf-8"?>
+<p:sld xmlns:a="http://schemas.openxmlformats.org/drawingml/2006/main" xmlns:r="http://schemas.openxmlformats.org/officeDocument/2006/relationships" xmlns:p="http://schemas.openxmlformats.org/presentationml/2006/main">
+  <p:cSld>
+    <p:spTree>
+      <p:nvGrpSpPr>
+        <p:cNvPr id="1" name=""/>
+        <p:cNvGrpSpPr/>
+        <p:nvPr/>
+      </p:nvGrpSpPr>
+      <p:grpSpPr>
+        <a:xfrm>
+          <a:off x="0" y="0"/>
+          <a:ext cx="0" cy="0"/>
+          <a:chOff x="0" y="0"/>
+          <a:chExt cx="0" cy="0"/>
+        </a:xfrm>
+      </p:grpSpPr>
+      <p:sp>
+        <p:nvSpPr>
+          <p:cNvPr id="2" name="Title 1"/>
+          <p:cNvSpPr>
+            <a:spLocks noGrp="1"/>
+          </p:cNvSpPr>
+          <p:nvPr>
+            <p:ph type="title"/>
+          </p:nvPr>
+        </p:nvSpPr>
+        <p:spPr>
+          <a:xfrm>
+            <a:off x="838200" y="365125"/>
+            <a:ext cx="10515600" cy="797753"/>
+          </a:xfrm>
+        </p:spPr>
+        <p:txBody>
           <a:bodyPr/>
           <a:lstStyle/>
           <a:p>
-            <a:endParaRPr lang="en-US"/>
+            <a:r>
+              <a:rPr lang="en-US" b="1" dirty="0"/>
+              <a:t>Inbuilt Iterators</a:t>
+            </a:r>
+          </a:p>
+        </p:txBody>
+      </p:sp>
+      <p:sp>
+        <p:nvSpPr>
+          <p:cNvPr id="3" name="Content Placeholder 2"/>
+          <p:cNvSpPr>
+            <a:spLocks noGrp="1"/>
+          </p:cNvSpPr>
+          <p:nvPr>
+            <p:ph idx="1"/>
+          </p:nvPr>
+        </p:nvSpPr>
+        <p:spPr>
+          <a:xfrm>
+            <a:off x="838200" y="1311965"/>
+            <a:ext cx="10515600" cy="4864998"/>
+          </a:xfrm>
+        </p:spPr>
+        <p:txBody>
+          <a:bodyPr>
+            <a:normAutofit/>
+          </a:bodyPr>
+          <a:lstStyle/>
+          <a:p>
+            <a:pPr marL="0" indent="0">
+              <a:buNone/>
+            </a:pPr>
+            <a:r>
+              <a:rPr lang="en-US" dirty="0"/>
+              <a:t>l = ["geeks", "for", "geeks"]</a:t>
+            </a:r>
+          </a:p>
+          <a:p>
+            <a:pPr marL="0" indent="0">
+              <a:buNone/>
+            </a:pPr>
+            <a:r>
+              <a:rPr lang="en-US" dirty="0"/>
+              <a:t>for </a:t>
+            </a:r>
+            <a:r>
+              <a:rPr lang="en-US" dirty="0" err="1"/>
+              <a:t>i</a:t>
+            </a:r>
+            <a:r>
+              <a:rPr lang="en-US" dirty="0"/>
+              <a:t> in l:</a:t>
+            </a:r>
+          </a:p>
+          <a:p>
+            <a:pPr marL="0" indent="0">
+              <a:buNone/>
+            </a:pPr>
+            <a:r>
+              <a:rPr lang="en-US" dirty="0"/>
+              <a:t>    print(</a:t>
+            </a:r>
+            <a:r>
+              <a:rPr lang="en-US" dirty="0" err="1"/>
+              <a:t>i</a:t>
+            </a:r>
+            <a:r>
+              <a:rPr lang="en-US" dirty="0"/>
+              <a:t>)</a:t>
+            </a:r>
+          </a:p>
+          <a:p>
+            <a:pPr marL="0" indent="0">
+              <a:buNone/>
+            </a:pPr>
+            <a:r>
+              <a:rPr lang="en-US" dirty="0"/>
+              <a:t>     </a:t>
+            </a:r>
+          </a:p>
+          <a:p>
+            <a:pPr marL="0" indent="0">
+              <a:buNone/>
+            </a:pPr>
+            <a:r>
+              <a:rPr lang="en-US" dirty="0"/>
+              <a:t># Iterating over a tuple (immutable)</a:t>
+            </a:r>
+          </a:p>
+          <a:p>
+            <a:pPr marL="0" indent="0">
+              <a:buNone/>
+            </a:pPr>
+            <a:r>
+              <a:rPr lang="en-US" dirty="0"/>
+              <a:t>print("\</a:t>
+            </a:r>
+            <a:r>
+              <a:rPr lang="en-US" dirty="0" err="1"/>
+              <a:t>nTuple</a:t>
+            </a:r>
+            <a:r>
+              <a:rPr lang="en-US" dirty="0"/>
+              <a:t> Iteration")</a:t>
+            </a:r>
+          </a:p>
+          <a:p>
+            <a:pPr marL="0" indent="0">
+              <a:buNone/>
+            </a:pPr>
+            <a:r>
+              <a:rPr lang="en-US" dirty="0"/>
+              <a:t>t = ("geeks", "for", "geeks")</a:t>
+            </a:r>
+          </a:p>
+          <a:p>
+            <a:pPr marL="0" indent="0">
+              <a:buNone/>
+            </a:pPr>
+            <a:r>
+              <a:rPr lang="en-US" dirty="0"/>
+              <a:t>for </a:t>
+            </a:r>
+            <a:r>
+              <a:rPr lang="en-US" dirty="0" err="1"/>
+              <a:t>i</a:t>
+            </a:r>
+            <a:r>
+              <a:rPr lang="en-US" dirty="0"/>
+              <a:t> in t:</a:t>
+            </a:r>
+          </a:p>
+          <a:p>
+            <a:pPr marL="0" indent="0">
+              <a:buNone/>
+            </a:pPr>
+            <a:r>
+              <a:rPr lang="en-US" dirty="0"/>
+              <a:t>    print(</a:t>
+            </a:r>
+            <a:r>
+              <a:rPr lang="en-US" dirty="0" err="1"/>
+              <a:t>i</a:t>
+            </a:r>
+            <a:r>
+              <a:rPr lang="en-US" dirty="0"/>
+              <a:t>)</a:t>
+            </a:r>
+          </a:p>
+          <a:p>
+            <a:pPr marL="0" indent="0">
+              <a:buNone/>
+            </a:pPr>
+            <a:endParaRPr lang="en-US" dirty="0"/>
           </a:p>
         </p:txBody>
       </p:sp>
     </p:spTree>
+    <p:extLst>
+      <p:ext uri="{BB962C8B-B14F-4D97-AF65-F5344CB8AC3E}">
+        <p14:creationId xmlns:p14="http://schemas.microsoft.com/office/powerpoint/2010/main" val="655457746"/>
+      </p:ext>
+    </p:extLst>
+  </p:cSld>
+  <p:clrMapOvr>
+    <a:masterClrMapping/>
+  </p:clrMapOvr>
+</p:sld>
+</file>
+
+<file path=ppt/slides/slide12.xml><?xml version="1.0" encoding="utf-8"?>
+<p:sld xmlns:a="http://schemas.openxmlformats.org/drawingml/2006/main" xmlns:r="http://schemas.openxmlformats.org/officeDocument/2006/relationships" xmlns:p="http://schemas.openxmlformats.org/presentationml/2006/main">
+  <p:cSld>
+    <p:spTree>
+      <p:nvGrpSpPr>
+        <p:cNvPr id="1" name=""/>
+        <p:cNvGrpSpPr/>
+        <p:nvPr/>
+      </p:nvGrpSpPr>
+      <p:grpSpPr>
+        <a:xfrm>
+          <a:off x="0" y="0"/>
+          <a:ext cx="0" cy="0"/>
+          <a:chOff x="0" y="0"/>
+          <a:chExt cx="0" cy="0"/>
+        </a:xfrm>
+      </p:grpSpPr>
+      <p:sp>
+        <p:nvSpPr>
+          <p:cNvPr id="2" name="Title 1"/>
+          <p:cNvSpPr>
+            <a:spLocks noGrp="1"/>
+          </p:cNvSpPr>
+          <p:nvPr>
+            <p:ph type="title"/>
+          </p:nvPr>
+        </p:nvSpPr>
+        <p:spPr/>
+        <p:txBody>
+          <a:bodyPr/>
+          <a:lstStyle/>
+          <a:p>
+            <a:r>
+              <a:rPr lang="en-US" b="1" dirty="0"/>
+              <a:t>Inbuilt Iterators- Continued..</a:t>
+            </a:r>
+          </a:p>
+        </p:txBody>
+      </p:sp>
+      <p:sp>
+        <p:nvSpPr>
+          <p:cNvPr id="3" name="Content Placeholder 2"/>
+          <p:cNvSpPr>
+            <a:spLocks noGrp="1"/>
+          </p:cNvSpPr>
+          <p:nvPr>
+            <p:ph idx="1"/>
+          </p:nvPr>
+        </p:nvSpPr>
+        <p:spPr>
+          <a:xfrm>
+            <a:off x="838200" y="1414914"/>
+            <a:ext cx="10515600" cy="4762049"/>
+          </a:xfrm>
+        </p:spPr>
+        <p:txBody>
+          <a:bodyPr>
+            <a:normAutofit fontScale="70000" lnSpcReduction="20000"/>
+          </a:bodyPr>
+          <a:lstStyle/>
+          <a:p>
+            <a:pPr marL="0" indent="0">
+              <a:buNone/>
+            </a:pPr>
+            <a:r>
+              <a:rPr lang="en-US" dirty="0"/>
+              <a:t> </a:t>
+            </a:r>
+          </a:p>
+          <a:p>
+            <a:pPr marL="0" indent="0">
+              <a:buNone/>
+            </a:pPr>
+            <a:r>
+              <a:rPr lang="en-US" dirty="0"/>
+              <a:t># Iterating over a String</a:t>
+            </a:r>
+          </a:p>
+          <a:p>
+            <a:pPr marL="0" indent="0">
+              <a:buNone/>
+            </a:pPr>
+            <a:r>
+              <a:rPr lang="en-US" dirty="0"/>
+              <a:t>print("\</a:t>
+            </a:r>
+            <a:r>
+              <a:rPr lang="en-US" dirty="0" err="1"/>
+              <a:t>nString</a:t>
+            </a:r>
+            <a:r>
+              <a:rPr lang="en-US" dirty="0"/>
+              <a:t> Iteration")    </a:t>
+            </a:r>
+          </a:p>
+          <a:p>
+            <a:pPr marL="0" indent="0">
+              <a:buNone/>
+            </a:pPr>
+            <a:r>
+              <a:rPr lang="en-US" dirty="0"/>
+              <a:t>s = "Geeks"</a:t>
+            </a:r>
+          </a:p>
+          <a:p>
+            <a:pPr marL="0" indent="0">
+              <a:buNone/>
+            </a:pPr>
+            <a:r>
+              <a:rPr lang="en-US" dirty="0"/>
+              <a:t>for </a:t>
+            </a:r>
+            <a:r>
+              <a:rPr lang="en-US" dirty="0" err="1"/>
+              <a:t>i</a:t>
+            </a:r>
+            <a:r>
+              <a:rPr lang="en-US" dirty="0"/>
+              <a:t> in s :</a:t>
+            </a:r>
+          </a:p>
+          <a:p>
+            <a:pPr marL="0" indent="0">
+              <a:buNone/>
+            </a:pPr>
+            <a:r>
+              <a:rPr lang="en-US" dirty="0"/>
+              <a:t>    print(</a:t>
+            </a:r>
+            <a:r>
+              <a:rPr lang="en-US" dirty="0" err="1"/>
+              <a:t>i</a:t>
+            </a:r>
+            <a:r>
+              <a:rPr lang="en-US" dirty="0"/>
+              <a:t>)</a:t>
+            </a:r>
+          </a:p>
+          <a:p>
+            <a:pPr marL="0" indent="0">
+              <a:buNone/>
+            </a:pPr>
+            <a:r>
+              <a:rPr lang="en-US" dirty="0"/>
+              <a:t>     </a:t>
+            </a:r>
+          </a:p>
+          <a:p>
+            <a:pPr marL="0" indent="0">
+              <a:buNone/>
+            </a:pPr>
+            <a:r>
+              <a:rPr lang="en-US" dirty="0"/>
+              <a:t># Iterating over dictionary</a:t>
+            </a:r>
+          </a:p>
+          <a:p>
+            <a:pPr marL="0" indent="0">
+              <a:buNone/>
+            </a:pPr>
+            <a:r>
+              <a:rPr lang="en-US" dirty="0"/>
+              <a:t>print("\</a:t>
+            </a:r>
+            <a:r>
+              <a:rPr lang="en-US" dirty="0" err="1"/>
+              <a:t>nDictionary</a:t>
+            </a:r>
+            <a:r>
+              <a:rPr lang="en-US" dirty="0"/>
+              <a:t> Iteration")   </a:t>
+            </a:r>
+          </a:p>
+          <a:p>
+            <a:pPr marL="0" indent="0">
+              <a:buNone/>
+            </a:pPr>
+            <a:r>
+              <a:rPr lang="en-US" dirty="0"/>
+              <a:t>d = </a:t>
+            </a:r>
+            <a:r>
+              <a:rPr lang="en-US" dirty="0" err="1"/>
+              <a:t>dict</a:t>
+            </a:r>
+            <a:r>
+              <a:rPr lang="en-US" dirty="0"/>
+              <a:t>() </a:t>
+            </a:r>
+          </a:p>
+          <a:p>
+            <a:pPr marL="0" indent="0">
+              <a:buNone/>
+            </a:pPr>
+            <a:r>
+              <a:rPr lang="en-US" dirty="0"/>
+              <a:t>d['</a:t>
+            </a:r>
+            <a:r>
+              <a:rPr lang="en-US" dirty="0" err="1"/>
+              <a:t>xyz</a:t>
+            </a:r>
+            <a:r>
+              <a:rPr lang="en-US" dirty="0"/>
+              <a:t>'] = 123</a:t>
+            </a:r>
+          </a:p>
+          <a:p>
+            <a:pPr marL="0" indent="0">
+              <a:buNone/>
+            </a:pPr>
+            <a:r>
+              <a:rPr lang="en-US" dirty="0"/>
+              <a:t>d['</a:t>
+            </a:r>
+            <a:r>
+              <a:rPr lang="en-US" dirty="0" err="1"/>
+              <a:t>abc</a:t>
+            </a:r>
+            <a:r>
+              <a:rPr lang="en-US" dirty="0"/>
+              <a:t>'] = 345</a:t>
+            </a:r>
+          </a:p>
+          <a:p>
+            <a:pPr marL="0" indent="0">
+              <a:buNone/>
+            </a:pPr>
+            <a:r>
+              <a:rPr lang="en-US" dirty="0"/>
+              <a:t>for </a:t>
+            </a:r>
+            <a:r>
+              <a:rPr lang="en-US" dirty="0" err="1"/>
+              <a:t>i</a:t>
+            </a:r>
+            <a:r>
+              <a:rPr lang="en-US" dirty="0"/>
+              <a:t> in d :</a:t>
+            </a:r>
+          </a:p>
+          <a:p>
+            <a:pPr marL="0" indent="0">
+              <a:buNone/>
+            </a:pPr>
+            <a:r>
+              <a:rPr lang="en-US" dirty="0"/>
+              <a:t>    print("%s  %d" %(</a:t>
+            </a:r>
+            <a:r>
+              <a:rPr lang="en-US" dirty="0" err="1"/>
+              <a:t>i</a:t>
+            </a:r>
+            <a:r>
+              <a:rPr lang="en-US" dirty="0"/>
+              <a:t>, d[</a:t>
+            </a:r>
+            <a:r>
+              <a:rPr lang="en-US" dirty="0" err="1"/>
+              <a:t>i</a:t>
+            </a:r>
+            <a:r>
+              <a:rPr lang="en-US" dirty="0"/>
+              <a:t>]))</a:t>
+            </a:r>
+            <a:endParaRPr lang="en-US" dirty="0"/>
+          </a:p>
+        </p:txBody>
+      </p:sp>
+    </p:spTree>
+    <p:extLst>
+      <p:ext uri="{BB962C8B-B14F-4D97-AF65-F5344CB8AC3E}">
+        <p14:creationId xmlns:p14="http://schemas.microsoft.com/office/powerpoint/2010/main" val="232264163"/>
+      </p:ext>
+    </p:extLst>
+  </p:cSld>
+  <p:clrMapOvr>
+    <a:masterClrMapping/>
+  </p:clrMapOvr>
+</p:sld>
+</file>
+
+<file path=ppt/slides/slide13.xml><?xml version="1.0" encoding="utf-8"?>
+<p:sld xmlns:a="http://schemas.openxmlformats.org/drawingml/2006/main" xmlns:r="http://schemas.openxmlformats.org/officeDocument/2006/relationships" xmlns:p="http://schemas.openxmlformats.org/presentationml/2006/main">
+  <p:cSld>
+    <p:spTree>
+      <p:nvGrpSpPr>
+        <p:cNvPr id="1" name=""/>
+        <p:cNvGrpSpPr/>
+        <p:nvPr/>
+      </p:nvGrpSpPr>
+      <p:grpSpPr>
+        <a:xfrm>
+          <a:off x="0" y="0"/>
+          <a:ext cx="0" cy="0"/>
+          <a:chOff x="0" y="0"/>
+          <a:chExt cx="0" cy="0"/>
+        </a:xfrm>
+      </p:grpSpPr>
+      <p:sp>
+        <p:nvSpPr>
+          <p:cNvPr id="2" name="Title 1"/>
+          <p:cNvSpPr>
+            <a:spLocks noGrp="1"/>
+          </p:cNvSpPr>
+          <p:nvPr>
+            <p:ph type="title"/>
+          </p:nvPr>
+        </p:nvSpPr>
+        <p:spPr/>
+        <p:txBody>
+          <a:bodyPr/>
+          <a:lstStyle/>
+          <a:p>
+            <a:r>
+              <a:rPr lang="en-US" b="1" dirty="0"/>
+              <a:t>Sample </a:t>
+            </a:r>
+            <a:r>
+              <a:rPr lang="en-US" b="1" dirty="0" err="1"/>
+              <a:t>Builtin</a:t>
+            </a:r>
+            <a:r>
+              <a:rPr lang="en-US" b="1" dirty="0"/>
+              <a:t> Iterators</a:t>
+            </a:r>
+          </a:p>
+        </p:txBody>
+      </p:sp>
+      <p:sp>
+        <p:nvSpPr>
+          <p:cNvPr id="3" name="Content Placeholder 2"/>
+          <p:cNvSpPr>
+            <a:spLocks noGrp="1"/>
+          </p:cNvSpPr>
+          <p:nvPr>
+            <p:ph idx="1"/>
+          </p:nvPr>
+        </p:nvSpPr>
+        <p:spPr/>
+        <p:txBody>
+          <a:bodyPr>
+            <a:normAutofit/>
+          </a:bodyPr>
+          <a:lstStyle/>
+          <a:p>
+            <a:pPr marL="0" indent="0">
+              <a:buNone/>
+            </a:pPr>
+            <a:r>
+              <a:rPr lang="en-US" dirty="0"/>
+              <a:t># Sample built-in iterators</a:t>
+            </a:r>
+          </a:p>
+          <a:p>
+            <a:pPr marL="0" indent="0">
+              <a:buNone/>
+            </a:pPr>
+            <a:r>
+              <a:rPr lang="en-US" dirty="0"/>
+              <a:t> # Iterating over a list</a:t>
+            </a:r>
+          </a:p>
+          <a:p>
+            <a:pPr marL="0" indent="0">
+              <a:buNone/>
+            </a:pPr>
+            <a:r>
+              <a:rPr lang="en-US" dirty="0"/>
+              <a:t>print("List Iteration")</a:t>
+            </a:r>
+          </a:p>
+          <a:p>
+            <a:pPr marL="0" indent="0">
+              <a:buNone/>
+            </a:pPr>
+            <a:r>
+              <a:rPr lang="en-US" dirty="0"/>
+              <a:t>from </a:t>
+            </a:r>
+            <a:r>
+              <a:rPr lang="en-US" dirty="0" err="1"/>
+              <a:t>itertools</a:t>
+            </a:r>
+            <a:r>
+              <a:rPr lang="en-US" dirty="0"/>
+              <a:t> import count</a:t>
+            </a:r>
+          </a:p>
+          <a:p>
+            <a:pPr marL="0" indent="0">
+              <a:buNone/>
+            </a:pPr>
+            <a:r>
+              <a:rPr lang="en-US" dirty="0"/>
+              <a:t>counter = count(start=13)</a:t>
+            </a:r>
+          </a:p>
+          <a:p>
+            <a:pPr marL="0" indent="0">
+              <a:buNone/>
+            </a:pPr>
+            <a:r>
+              <a:rPr lang="en-US" dirty="0"/>
+              <a:t>print(next(counter))</a:t>
+            </a:r>
+          </a:p>
+          <a:p>
+            <a:pPr marL="0" indent="0">
+              <a:buNone/>
+            </a:pPr>
+            <a:r>
+              <a:rPr lang="en-US" dirty="0"/>
+              <a:t>print(next(counter))</a:t>
+            </a:r>
+            <a:endParaRPr lang="en-US" dirty="0"/>
+          </a:p>
+        </p:txBody>
+      </p:sp>
+    </p:spTree>
+    <p:extLst>
+      <p:ext uri="{BB962C8B-B14F-4D97-AF65-F5344CB8AC3E}">
+        <p14:creationId xmlns:p14="http://schemas.microsoft.com/office/powerpoint/2010/main" val="204843870"/>
+      </p:ext>
+    </p:extLst>
   </p:cSld>
   <p:clrMapOvr>
     <a:masterClrMapping/>
@@ -3422,12 +4349,8 @@
           <a:lstStyle/>
           <a:p>
             <a:r>
-              <a:rPr lang="en-US" b="1" dirty="0" err="1"/>
-              <a:t>RobotFramework</a:t>
-            </a:r>
-            <a:r>
               <a:rPr lang="en-US" b="1" dirty="0"/>
-              <a:t>-Selenium 2 Library Package</a:t>
+              <a:t>Declaring Objects and classes</a:t>
             </a:r>
           </a:p>
         </p:txBody>
@@ -3442,217 +4365,170 @@
             <p:ph idx="1"/>
           </p:nvPr>
         </p:nvSpPr>
-        <p:spPr>
-          <a:xfrm>
-            <a:off x="838200" y="1501541"/>
-            <a:ext cx="10515600" cy="4675422"/>
-          </a:xfrm>
-        </p:spPr>
+        <p:spPr/>
         <p:txBody>
           <a:bodyPr>
-            <a:normAutofit fontScale="77500" lnSpcReduction="20000"/>
+            <a:normAutofit fontScale="62500" lnSpcReduction="20000"/>
           </a:bodyPr>
           <a:lstStyle/>
           <a:p>
-            <a:r>
-              <a:rPr lang="en-US" dirty="0"/>
-              <a:t>Selenium2Library is located at following location on the machine where robot framework is located</a:t>
-            </a:r>
-          </a:p>
-          <a:p>
+            <a:pPr marL="0" indent="0">
+              <a:buNone/>
+            </a:pPr>
+            <a:r>
+              <a:rPr lang="en-US" dirty="0"/>
+              <a:t>class </a:t>
+            </a:r>
+            <a:r>
+              <a:rPr lang="en-US" dirty="0" err="1"/>
+              <a:t>MyClass</a:t>
+            </a:r>
+            <a:r>
+              <a:rPr lang="en-US" dirty="0"/>
+              <a:t>:</a:t>
+            </a:r>
+          </a:p>
+          <a:p>
+            <a:pPr marL="0" indent="0">
+              <a:buNone/>
+            </a:pPr>
+            <a:r>
+              <a:rPr lang="en-US" dirty="0"/>
+              <a:t>	"This is my second class"</a:t>
+            </a:r>
+          </a:p>
+          <a:p>
+            <a:pPr marL="0" indent="0">
+              <a:buNone/>
+            </a:pPr>
+            <a:r>
+              <a:rPr lang="en-US" dirty="0"/>
+              <a:t>	a = 10</a:t>
+            </a:r>
+          </a:p>
+          <a:p>
+            <a:pPr marL="0" indent="0">
+              <a:buNone/>
+            </a:pPr>
+            <a:r>
+              <a:rPr lang="en-US" dirty="0"/>
+              <a:t>	def </a:t>
+            </a:r>
+            <a:r>
+              <a:rPr lang="en-US" dirty="0" err="1"/>
+              <a:t>func</a:t>
+            </a:r>
+            <a:r>
+              <a:rPr lang="en-US" dirty="0"/>
+              <a:t>(self):</a:t>
+            </a:r>
+          </a:p>
+          <a:p>
+            <a:pPr marL="0" indent="0">
+              <a:buNone/>
+            </a:pPr>
+            <a:r>
+              <a:rPr lang="en-US" dirty="0"/>
+              <a:t>		print('Hello')</a:t>
+            </a:r>
+          </a:p>
+          <a:p>
+            <a:pPr marL="0" indent="0">
+              <a:buNone/>
+            </a:pPr>
+            <a:r>
+              <a:rPr lang="en-US" dirty="0"/>
+              <a:t># Output: 10</a:t>
+            </a:r>
+          </a:p>
+          <a:p>
+            <a:pPr marL="0" indent="0">
+              <a:buNone/>
+            </a:pPr>
+            <a:r>
+              <a:rPr lang="en-US" dirty="0"/>
+              <a:t>Print (</a:t>
+            </a:r>
+            <a:r>
+              <a:rPr lang="en-US" dirty="0" err="1"/>
+              <a:t>Myclass.a</a:t>
+            </a:r>
+            <a:r>
+              <a:rPr lang="en-US" dirty="0"/>
+              <a:t>) </a:t>
+            </a:r>
+          </a:p>
+          <a:p>
+            <a:pPr marL="0" indent="0">
+              <a:buNone/>
+            </a:pPr>
             <a:endParaRPr lang="en-US" dirty="0"/>
           </a:p>
           <a:p>
-            <a:pPr lvl="1"/>
-            <a:r>
-              <a:rPr lang="en-US" dirty="0"/>
-              <a:t>C:\Python27\Lib\site-packages\Selenium2Library</a:t>
-            </a:r>
-          </a:p>
-          <a:p>
-            <a:pPr lvl="1"/>
-            <a:r>
-              <a:rPr lang="en-US" dirty="0"/>
-              <a:t>class Selenium2Library(</a:t>
-            </a:r>
-          </a:p>
-          <a:p>
-            <a:pPr lvl="1"/>
-            <a:r>
-              <a:rPr lang="en-US" dirty="0"/>
-              <a:t>    _</a:t>
+            <a:pPr marL="0" indent="0">
+              <a:buNone/>
+            </a:pPr>
+            <a:r>
+              <a:rPr lang="en-US" dirty="0"/>
+              <a:t># Output: 'This is my second class'</a:t>
+            </a:r>
+          </a:p>
+          <a:p>
+            <a:pPr marL="0" indent="0">
+              <a:buNone/>
+            </a:pPr>
+            <a:r>
+              <a:rPr lang="en-US" dirty="0"/>
+              <a:t>print(</a:t>
             </a:r>
             <a:r>
               <a:rPr lang="en-US" dirty="0" err="1"/>
-              <a:t>LoggingKeywords</a:t>
-            </a:r>
-            <a:r>
-              <a:rPr lang="en-US" dirty="0"/>
-              <a:t>,</a:t>
-            </a:r>
-          </a:p>
-          <a:p>
-            <a:pPr lvl="1"/>
-            <a:r>
-              <a:rPr lang="en-US" dirty="0"/>
-              <a:t>    _</a:t>
-            </a:r>
+              <a:t>MyClass</a:t>
+            </a:r>
+            <a:r>
+              <a:rPr lang="en-US" dirty="0"/>
+              <a:t>.__doc__)</a:t>
+            </a:r>
+          </a:p>
+          <a:p>
+            <a:pPr marL="0" indent="0">
+              <a:buNone/>
+            </a:pPr>
+            <a:endParaRPr lang="en-US" dirty="0"/>
+          </a:p>
+          <a:p>
+            <a:pPr marL="0" indent="0">
+              <a:buNone/>
+            </a:pPr>
             <a:r>
               <a:rPr lang="en-US" dirty="0" err="1"/>
-              <a:t>RunOnFailureKeywords</a:t>
-            </a:r>
-            <a:r>
-              <a:rPr lang="en-US" dirty="0"/>
-              <a:t>,</a:t>
-            </a:r>
-          </a:p>
-          <a:p>
-            <a:pPr lvl="1"/>
-            <a:r>
-              <a:rPr lang="en-US" dirty="0"/>
-              <a:t>    _</a:t>
+              <a:t>obj</a:t>
+            </a:r>
+            <a:r>
+              <a:rPr lang="en-US" dirty="0"/>
+              <a:t> =</a:t>
             </a:r>
             <a:r>
               <a:rPr lang="en-US" dirty="0" err="1"/>
-              <a:t>BrowserManagementKeywords</a:t>
-            </a:r>
-            <a:r>
-              <a:rPr lang="en-US" dirty="0"/>
-              <a:t>,</a:t>
-            </a:r>
-          </a:p>
-          <a:p>
-            <a:pPr lvl="1"/>
-            <a:r>
-              <a:rPr lang="en-US" dirty="0"/>
-              <a:t>    _</a:t>
-            </a:r>
+              <a:t>MyClass</a:t>
+            </a:r>
+            <a:r>
+              <a:rPr lang="en-US" dirty="0"/>
+              <a:t>()</a:t>
+            </a:r>
+          </a:p>
+          <a:p>
+            <a:pPr marL="0" indent="0">
+              <a:buNone/>
+            </a:pPr>
             <a:r>
               <a:rPr lang="en-US" dirty="0" err="1"/>
-              <a:t>ElementKeywords</a:t>
-            </a:r>
-            <a:r>
-              <a:rPr lang="en-US" dirty="0"/>
-              <a:t>,</a:t>
-            </a:r>
-          </a:p>
-          <a:p>
-            <a:pPr lvl="1"/>
-            <a:r>
-              <a:rPr lang="en-US" dirty="0"/>
-              <a:t>    _</a:t>
-            </a:r>
-            <a:r>
-              <a:rPr lang="en-US" dirty="0" err="1"/>
-              <a:t>TableElementKeywords</a:t>
-            </a:r>
-            <a:r>
-              <a:rPr lang="en-US" dirty="0"/>
-              <a:t>,</a:t>
-            </a:r>
-          </a:p>
-          <a:p>
-            <a:pPr lvl="1"/>
-            <a:r>
-              <a:rPr lang="en-US" dirty="0"/>
-              <a:t>    _</a:t>
-            </a:r>
-            <a:r>
-              <a:rPr lang="en-US" dirty="0" err="1"/>
-              <a:t>FormElementKeywords</a:t>
-            </a:r>
-            <a:r>
-              <a:rPr lang="en-US" dirty="0"/>
-              <a:t>,</a:t>
-            </a:r>
-          </a:p>
-          <a:p>
-            <a:pPr lvl="1"/>
-            <a:r>
-              <a:rPr lang="en-US" dirty="0"/>
-              <a:t>    _</a:t>
-            </a:r>
-            <a:r>
-              <a:rPr lang="en-US" dirty="0" err="1"/>
-              <a:t>SelectElementKeywords</a:t>
-            </a:r>
-            <a:r>
-              <a:rPr lang="en-US" dirty="0"/>
-              <a:t>,</a:t>
-            </a:r>
-          </a:p>
-          <a:p>
-            <a:pPr lvl="1"/>
-            <a:r>
-              <a:rPr lang="en-US" dirty="0"/>
-              <a:t>    _</a:t>
-            </a:r>
-            <a:r>
-              <a:rPr lang="en-US" dirty="0" err="1"/>
-              <a:t>JavaScriptKeywords</a:t>
-            </a:r>
-            <a:r>
-              <a:rPr lang="en-US" dirty="0"/>
-              <a:t>,</a:t>
-            </a:r>
-          </a:p>
-          <a:p>
-            <a:pPr lvl="1"/>
-            <a:r>
-              <a:rPr lang="en-US" dirty="0"/>
-              <a:t>    _</a:t>
-            </a:r>
-            <a:r>
-              <a:rPr lang="en-US" dirty="0" err="1"/>
-              <a:t>CookieKeywords</a:t>
-            </a:r>
-            <a:r>
-              <a:rPr lang="en-US" dirty="0"/>
-              <a:t>,</a:t>
-            </a:r>
-          </a:p>
-          <a:p>
-            <a:pPr lvl="1"/>
-            <a:r>
-              <a:rPr lang="en-US" dirty="0"/>
-              <a:t>    _</a:t>
-            </a:r>
-            <a:r>
-              <a:rPr lang="en-US" dirty="0" err="1"/>
-              <a:t>ScreenshotKeywords</a:t>
-            </a:r>
-            <a:r>
-              <a:rPr lang="en-US" dirty="0"/>
-              <a:t>,</a:t>
-            </a:r>
-          </a:p>
-          <a:p>
-            <a:pPr lvl="1"/>
-            <a:r>
-              <a:rPr lang="en-US" dirty="0"/>
-              <a:t>    _</a:t>
-            </a:r>
-            <a:r>
-              <a:rPr lang="en-US" dirty="0" err="1"/>
-              <a:t>WaitingKeywords</a:t>
-            </a:r>
-            <a:endParaRPr lang="en-US" dirty="0"/>
-          </a:p>
-          <a:p>
-            <a:pPr lvl="1"/>
-            <a:r>
-              <a:rPr lang="en-US" dirty="0"/>
-              <a:t>):</a:t>
-            </a:r>
-          </a:p>
-          <a:p>
-            <a:pPr lvl="1"/>
-            <a:endParaRPr lang="en-US" dirty="0"/>
-          </a:p>
-          <a:p>
-            <a:pPr marL="457200" lvl="1" indent="0">
-              <a:buNone/>
-            </a:pPr>
+              <a:t>obj.func</a:t>
+            </a:r>
+            <a:r>
+              <a:rPr lang="en-US" dirty="0"/>
+              <a:t>();</a:t>
+            </a:r>
             <a:endParaRPr lang="en-US" dirty="0"/>
           </a:p>
         </p:txBody>
@@ -3660,7 +4536,7 @@
     </p:spTree>
     <p:extLst>
       <p:ext uri="{BB962C8B-B14F-4D97-AF65-F5344CB8AC3E}">
-        <p14:creationId xmlns="" xmlns:p14="http://schemas.microsoft.com/office/powerpoint/2010/main" val="3137838162"/>
+        <p14:creationId xmlns:p14="http://schemas.microsoft.com/office/powerpoint/2010/main" val="2388341417"/>
       </p:ext>
     </p:extLst>
   </p:cSld>
@@ -3697,6 +4573,534 @@
             <p:ph type="title"/>
           </p:nvPr>
         </p:nvSpPr>
+        <p:spPr/>
+        <p:txBody>
+          <a:bodyPr/>
+          <a:lstStyle/>
+          <a:p>
+            <a:r>
+              <a:rPr lang="en-US" b="1" dirty="0"/>
+              <a:t>Python: </a:t>
+            </a:r>
+            <a:r>
+              <a:rPr lang="en-US" b="1" dirty="0" err="1"/>
+              <a:t>Iterable</a:t>
+            </a:r>
+            <a:endParaRPr lang="en-US" b="1" dirty="0"/>
+          </a:p>
+        </p:txBody>
+      </p:sp>
+      <p:sp>
+        <p:nvSpPr>
+          <p:cNvPr id="3" name="Content Placeholder 2"/>
+          <p:cNvSpPr>
+            <a:spLocks noGrp="1"/>
+          </p:cNvSpPr>
+          <p:nvPr>
+            <p:ph idx="1"/>
+          </p:nvPr>
+        </p:nvSpPr>
+        <p:spPr/>
+        <p:txBody>
+          <a:bodyPr/>
+          <a:lstStyle/>
+          <a:p>
+            <a:r>
+              <a:rPr lang="en-US" dirty="0"/>
+              <a:t>An object is called </a:t>
+            </a:r>
+            <a:r>
+              <a:rPr lang="en-US" dirty="0" err="1"/>
+              <a:t>iterable</a:t>
+            </a:r>
+            <a:r>
+              <a:rPr lang="en-US" dirty="0"/>
+              <a:t> if we can get an iterator from it. Most of built-in containers in Python like: list, tuple, string etc. are </a:t>
+            </a:r>
+            <a:r>
+              <a:rPr lang="en-US" dirty="0" err="1"/>
+              <a:t>iterables</a:t>
+            </a:r>
+            <a:r>
+              <a:rPr lang="en-US" dirty="0"/>
+              <a:t> in python </a:t>
+            </a:r>
+          </a:p>
+          <a:p>
+            <a:endParaRPr lang="en-US" dirty="0"/>
+          </a:p>
+          <a:p>
+            <a:r>
+              <a:rPr lang="en-US" dirty="0"/>
+              <a:t>In simple words all the element which can contain the collection of items can be iterated over through the different elements of the collections </a:t>
+            </a:r>
+            <a:endParaRPr lang="en-US" dirty="0"/>
+          </a:p>
+        </p:txBody>
+      </p:sp>
+    </p:spTree>
+    <p:extLst>
+      <p:ext uri="{BB962C8B-B14F-4D97-AF65-F5344CB8AC3E}">
+        <p14:creationId xmlns:p14="http://schemas.microsoft.com/office/powerpoint/2010/main" val="2253339402"/>
+      </p:ext>
+    </p:extLst>
+  </p:cSld>
+  <p:clrMapOvr>
+    <a:masterClrMapping/>
+  </p:clrMapOvr>
+</p:sld>
+</file>
+
+<file path=ppt/slides/slide4.xml><?xml version="1.0" encoding="utf-8"?>
+<p:sld xmlns:a="http://schemas.openxmlformats.org/drawingml/2006/main" xmlns:r="http://schemas.openxmlformats.org/officeDocument/2006/relationships" xmlns:p="http://schemas.openxmlformats.org/presentationml/2006/main">
+  <p:cSld>
+    <p:spTree>
+      <p:nvGrpSpPr>
+        <p:cNvPr id="1" name=""/>
+        <p:cNvGrpSpPr/>
+        <p:nvPr/>
+      </p:nvGrpSpPr>
+      <p:grpSpPr>
+        <a:xfrm>
+          <a:off x="0" y="0"/>
+          <a:ext cx="0" cy="0"/>
+          <a:chOff x="0" y="0"/>
+          <a:chExt cx="0" cy="0"/>
+        </a:xfrm>
+      </p:grpSpPr>
+      <p:sp>
+        <p:nvSpPr>
+          <p:cNvPr id="2" name="Title 1"/>
+          <p:cNvSpPr>
+            <a:spLocks noGrp="1"/>
+          </p:cNvSpPr>
+          <p:nvPr>
+            <p:ph type="title"/>
+          </p:nvPr>
+        </p:nvSpPr>
+        <p:spPr/>
+        <p:txBody>
+          <a:bodyPr/>
+          <a:lstStyle/>
+          <a:p>
+            <a:r>
+              <a:rPr lang="en-US" b="1" dirty="0"/>
+              <a:t>Python </a:t>
+            </a:r>
+            <a:r>
+              <a:rPr lang="en-US" b="1" dirty="0" err="1"/>
+              <a:t>Iterable</a:t>
+            </a:r>
+            <a:r>
+              <a:rPr lang="en-US" b="1" dirty="0"/>
+              <a:t> Example</a:t>
+            </a:r>
+          </a:p>
+        </p:txBody>
+      </p:sp>
+      <p:sp>
+        <p:nvSpPr>
+          <p:cNvPr id="3" name="Content Placeholder 2"/>
+          <p:cNvSpPr>
+            <a:spLocks noGrp="1"/>
+          </p:cNvSpPr>
+          <p:nvPr>
+            <p:ph idx="1"/>
+          </p:nvPr>
+        </p:nvSpPr>
+        <p:spPr/>
+        <p:txBody>
+          <a:bodyPr>
+            <a:normAutofit fontScale="62500" lnSpcReduction="20000"/>
+          </a:bodyPr>
+          <a:lstStyle/>
+          <a:p>
+            <a:pPr marL="0" indent="0">
+              <a:buNone/>
+            </a:pPr>
+            <a:r>
+              <a:rPr lang="en-US" dirty="0"/>
+              <a:t># define a list</a:t>
+            </a:r>
+          </a:p>
+          <a:p>
+            <a:pPr marL="0" indent="0">
+              <a:buNone/>
+            </a:pPr>
+            <a:r>
+              <a:rPr lang="en-US" dirty="0" err="1"/>
+              <a:t>my_list</a:t>
+            </a:r>
+            <a:r>
+              <a:rPr lang="en-US" dirty="0"/>
+              <a:t> = [4, 7, 0, 3]</a:t>
+            </a:r>
+          </a:p>
+          <a:p>
+            <a:pPr marL="0" indent="0">
+              <a:buNone/>
+            </a:pPr>
+            <a:r>
+              <a:rPr lang="en-US" dirty="0"/>
+              <a:t> </a:t>
+            </a:r>
+          </a:p>
+          <a:p>
+            <a:pPr marL="0" indent="0">
+              <a:buNone/>
+            </a:pPr>
+            <a:r>
+              <a:rPr lang="en-US" dirty="0"/>
+              <a:t># get an iterator using </a:t>
+            </a:r>
+            <a:r>
+              <a:rPr lang="en-US" dirty="0" err="1"/>
+              <a:t>iter</a:t>
+            </a:r>
+            <a:r>
+              <a:rPr lang="en-US" dirty="0"/>
+              <a:t>()</a:t>
+            </a:r>
+          </a:p>
+          <a:p>
+            <a:pPr marL="0" indent="0">
+              <a:buNone/>
+            </a:pPr>
+            <a:r>
+              <a:rPr lang="en-US" dirty="0" err="1"/>
+              <a:t>my_iter</a:t>
+            </a:r>
+            <a:r>
+              <a:rPr lang="en-US" dirty="0"/>
+              <a:t> = </a:t>
+            </a:r>
+            <a:r>
+              <a:rPr lang="en-US" dirty="0" err="1"/>
+              <a:t>iter</a:t>
+            </a:r>
+            <a:r>
+              <a:rPr lang="en-US" dirty="0"/>
+              <a:t>(</a:t>
+            </a:r>
+            <a:r>
+              <a:rPr lang="en-US" dirty="0" err="1"/>
+              <a:t>my_list</a:t>
+            </a:r>
+            <a:r>
+              <a:rPr lang="en-US" dirty="0"/>
+              <a:t>)</a:t>
+            </a:r>
+          </a:p>
+          <a:p>
+            <a:pPr marL="0" indent="0">
+              <a:buNone/>
+            </a:pPr>
+            <a:endParaRPr lang="en-US" dirty="0"/>
+          </a:p>
+          <a:p>
+            <a:pPr marL="0" indent="0">
+              <a:buNone/>
+            </a:pPr>
+            <a:r>
+              <a:rPr lang="en-US" dirty="0"/>
+              <a:t>## iterate through it using next() </a:t>
+            </a:r>
+          </a:p>
+          <a:p>
+            <a:pPr marL="0" indent="0">
+              <a:buNone/>
+            </a:pPr>
+            <a:r>
+              <a:rPr lang="en-US" dirty="0"/>
+              <a:t>#prints 4</a:t>
+            </a:r>
+          </a:p>
+          <a:p>
+            <a:pPr marL="0" indent="0">
+              <a:buNone/>
+            </a:pPr>
+            <a:r>
+              <a:rPr lang="en-US" dirty="0"/>
+              <a:t>print(next(</a:t>
+            </a:r>
+            <a:r>
+              <a:rPr lang="en-US" dirty="0" err="1"/>
+              <a:t>my_iter</a:t>
+            </a:r>
+            <a:r>
+              <a:rPr lang="en-US" dirty="0"/>
+              <a:t>))</a:t>
+            </a:r>
+          </a:p>
+          <a:p>
+            <a:pPr marL="0" indent="0">
+              <a:buNone/>
+            </a:pPr>
+            <a:r>
+              <a:rPr lang="en-US" dirty="0"/>
+              <a:t> </a:t>
+            </a:r>
+          </a:p>
+          <a:p>
+            <a:pPr marL="0" indent="0">
+              <a:buNone/>
+            </a:pPr>
+            <a:r>
+              <a:rPr lang="en-US" dirty="0"/>
+              <a:t>#prints 7</a:t>
+            </a:r>
+          </a:p>
+          <a:p>
+            <a:pPr marL="0" indent="0">
+              <a:buNone/>
+            </a:pPr>
+            <a:r>
+              <a:rPr lang="en-US" dirty="0"/>
+              <a:t>print(next(</a:t>
+            </a:r>
+            <a:r>
+              <a:rPr lang="en-US" dirty="0" err="1"/>
+              <a:t>my_iter</a:t>
+            </a:r>
+            <a:r>
+              <a:rPr lang="en-US" dirty="0"/>
+              <a:t>))</a:t>
+            </a:r>
+          </a:p>
+          <a:p>
+            <a:pPr marL="0" indent="0">
+              <a:buNone/>
+            </a:pPr>
+            <a:r>
+              <a:rPr lang="en-US" dirty="0"/>
+              <a:t> </a:t>
+            </a:r>
+            <a:endParaRPr lang="en-US" dirty="0"/>
+          </a:p>
+        </p:txBody>
+      </p:sp>
+    </p:spTree>
+    <p:extLst>
+      <p:ext uri="{BB962C8B-B14F-4D97-AF65-F5344CB8AC3E}">
+        <p14:creationId xmlns:p14="http://schemas.microsoft.com/office/powerpoint/2010/main" val="2226655660"/>
+      </p:ext>
+    </p:extLst>
+  </p:cSld>
+  <p:clrMapOvr>
+    <a:masterClrMapping/>
+  </p:clrMapOvr>
+</p:sld>
+</file>
+
+<file path=ppt/slides/slide5.xml><?xml version="1.0" encoding="utf-8"?>
+<p:sld xmlns:a="http://schemas.openxmlformats.org/drawingml/2006/main" xmlns:r="http://schemas.openxmlformats.org/officeDocument/2006/relationships" xmlns:p="http://schemas.openxmlformats.org/presentationml/2006/main">
+  <p:cSld>
+    <p:spTree>
+      <p:nvGrpSpPr>
+        <p:cNvPr id="1" name=""/>
+        <p:cNvGrpSpPr/>
+        <p:nvPr/>
+      </p:nvGrpSpPr>
+      <p:grpSpPr>
+        <a:xfrm>
+          <a:off x="0" y="0"/>
+          <a:ext cx="0" cy="0"/>
+          <a:chOff x="0" y="0"/>
+          <a:chExt cx="0" cy="0"/>
+        </a:xfrm>
+      </p:grpSpPr>
+      <p:sp>
+        <p:nvSpPr>
+          <p:cNvPr id="2" name="Title 1"/>
+          <p:cNvSpPr>
+            <a:spLocks noGrp="1"/>
+          </p:cNvSpPr>
+          <p:nvPr>
+            <p:ph type="title"/>
+          </p:nvPr>
+        </p:nvSpPr>
+        <p:spPr/>
+        <p:txBody>
+          <a:bodyPr/>
+          <a:lstStyle/>
+          <a:p>
+            <a:r>
+              <a:rPr lang="en-US" b="1" dirty="0"/>
+              <a:t>Python </a:t>
+            </a:r>
+            <a:r>
+              <a:rPr lang="en-US" b="1" dirty="0" err="1"/>
+              <a:t>Iterable</a:t>
+            </a:r>
+            <a:r>
+              <a:rPr lang="en-US" b="1" dirty="0"/>
+              <a:t> Example- Continued..</a:t>
+            </a:r>
+            <a:endParaRPr lang="en-US" b="1" dirty="0"/>
+          </a:p>
+        </p:txBody>
+      </p:sp>
+      <p:sp>
+        <p:nvSpPr>
+          <p:cNvPr id="3" name="Content Placeholder 2"/>
+          <p:cNvSpPr>
+            <a:spLocks noGrp="1"/>
+          </p:cNvSpPr>
+          <p:nvPr>
+            <p:ph idx="1"/>
+          </p:nvPr>
+        </p:nvSpPr>
+        <p:spPr/>
+        <p:txBody>
+          <a:bodyPr>
+            <a:normAutofit fontScale="92500" lnSpcReduction="20000"/>
+          </a:bodyPr>
+          <a:lstStyle/>
+          <a:p>
+            <a:r>
+              <a:rPr lang="en-US" dirty="0"/>
+              <a:t>## next(</a:t>
+            </a:r>
+            <a:r>
+              <a:rPr lang="en-US" dirty="0" err="1"/>
+              <a:t>obj</a:t>
+            </a:r>
+            <a:r>
+              <a:rPr lang="en-US" dirty="0"/>
+              <a:t>) is same as </a:t>
+            </a:r>
+            <a:r>
+              <a:rPr lang="en-US" dirty="0" err="1"/>
+              <a:t>obj</a:t>
+            </a:r>
+            <a:r>
+              <a:rPr lang="en-US" dirty="0"/>
+              <a:t>.__next__()</a:t>
+            </a:r>
+          </a:p>
+          <a:p>
+            <a:r>
+              <a:rPr lang="en-US" dirty="0"/>
+              <a:t> </a:t>
+            </a:r>
+          </a:p>
+          <a:p>
+            <a:r>
+              <a:rPr lang="en-US" dirty="0"/>
+              <a:t>#prints 0</a:t>
+            </a:r>
+          </a:p>
+          <a:p>
+            <a:r>
+              <a:rPr lang="en-US" dirty="0"/>
+              <a:t>print(my_</a:t>
+            </a:r>
+            <a:r>
+              <a:rPr lang="en-US" dirty="0" err="1"/>
+              <a:t>iter</a:t>
+            </a:r>
+            <a:r>
+              <a:rPr lang="en-US" dirty="0"/>
+              <a:t>.__next__())</a:t>
+            </a:r>
+          </a:p>
+          <a:p>
+            <a:r>
+              <a:rPr lang="en-US" dirty="0"/>
+              <a:t> </a:t>
+            </a:r>
+          </a:p>
+          <a:p>
+            <a:r>
+              <a:rPr lang="en-US" dirty="0"/>
+              <a:t>#prints 3</a:t>
+            </a:r>
+          </a:p>
+          <a:p>
+            <a:r>
+              <a:rPr lang="en-US" dirty="0"/>
+              <a:t>print(my_</a:t>
+            </a:r>
+            <a:r>
+              <a:rPr lang="en-US" dirty="0" err="1"/>
+              <a:t>iter</a:t>
+            </a:r>
+            <a:r>
+              <a:rPr lang="en-US" dirty="0"/>
+              <a:t>.__next__())</a:t>
+            </a:r>
+          </a:p>
+          <a:p>
+            <a:r>
+              <a:rPr lang="en-US" dirty="0"/>
+              <a:t> </a:t>
+            </a:r>
+          </a:p>
+          <a:p>
+            <a:r>
+              <a:rPr lang="en-US" dirty="0"/>
+              <a:t>## This will raise error, no items left</a:t>
+            </a:r>
+          </a:p>
+          <a:p>
+            <a:r>
+              <a:rPr lang="en-US" dirty="0"/>
+              <a:t>next(</a:t>
+            </a:r>
+            <a:r>
+              <a:rPr lang="en-US" dirty="0" err="1"/>
+              <a:t>my_iter</a:t>
+            </a:r>
+            <a:r>
+              <a:rPr lang="en-US" dirty="0"/>
+              <a:t>)</a:t>
+            </a:r>
+          </a:p>
+          <a:p>
+            <a:endParaRPr lang="en-US" dirty="0"/>
+          </a:p>
+        </p:txBody>
+      </p:sp>
+    </p:spTree>
+    <p:extLst>
+      <p:ext uri="{BB962C8B-B14F-4D97-AF65-F5344CB8AC3E}">
+        <p14:creationId xmlns:p14="http://schemas.microsoft.com/office/powerpoint/2010/main" val="2828177247"/>
+      </p:ext>
+    </p:extLst>
+  </p:cSld>
+  <p:clrMapOvr>
+    <a:masterClrMapping/>
+  </p:clrMapOvr>
+</p:sld>
+</file>
+
+<file path=ppt/slides/slide6.xml><?xml version="1.0" encoding="utf-8"?>
+<p:sld xmlns:a="http://schemas.openxmlformats.org/drawingml/2006/main" xmlns:r="http://schemas.openxmlformats.org/officeDocument/2006/relationships" xmlns:p="http://schemas.openxmlformats.org/presentationml/2006/main">
+  <p:cSld>
+    <p:spTree>
+      <p:nvGrpSpPr>
+        <p:cNvPr id="1" name=""/>
+        <p:cNvGrpSpPr/>
+        <p:nvPr/>
+      </p:nvGrpSpPr>
+      <p:grpSpPr>
+        <a:xfrm>
+          <a:off x="0" y="0"/>
+          <a:ext cx="0" cy="0"/>
+          <a:chOff x="0" y="0"/>
+          <a:chExt cx="0" cy="0"/>
+        </a:xfrm>
+      </p:grpSpPr>
+      <p:sp>
+        <p:nvSpPr>
+          <p:cNvPr id="2" name="Title 1"/>
+          <p:cNvSpPr>
+            <a:spLocks noGrp="1"/>
+          </p:cNvSpPr>
+          <p:nvPr>
+            <p:ph type="title"/>
+          </p:nvPr>
+        </p:nvSpPr>
         <p:spPr>
           <a:xfrm>
             <a:off x="838200" y="365125"/>
@@ -3709,7 +5113,7 @@
           <a:p>
             <a:r>
               <a:rPr lang="en-US" b="1" dirty="0"/>
-              <a:t>Python : Inheritance</a:t>
+              <a:t>Python Iterators</a:t>
             </a:r>
           </a:p>
         </p:txBody>
@@ -3726,8 +5130,622 @@
         </p:nvSpPr>
         <p:spPr>
           <a:xfrm>
-            <a:off x="838200" y="1039528"/>
-            <a:ext cx="10515600" cy="5818472"/>
+            <a:off x="838200" y="1232034"/>
+            <a:ext cx="10515600" cy="4761263"/>
+          </a:xfrm>
+        </p:spPr>
+        <p:txBody>
+          <a:bodyPr>
+            <a:normAutofit/>
+          </a:bodyPr>
+          <a:lstStyle/>
+          <a:p>
+            <a:pPr marL="0" indent="0">
+              <a:buNone/>
+            </a:pPr>
+            <a:r>
+              <a:rPr lang="en-US" dirty="0"/>
+              <a:t>Iterator in Python is simply an </a:t>
+            </a:r>
+            <a:r>
+              <a:rPr lang="en-US" dirty="0">
+                <a:hlinkClick r:id="rId2" tooltip="Python Objects and Class"/>
+              </a:rPr>
+              <a:t>object</a:t>
+            </a:r>
+            <a:r>
+              <a:rPr lang="en-US" dirty="0"/>
+              <a:t> that can be iterated upon. An object which will return data, one element at a time.</a:t>
+            </a:r>
+          </a:p>
+          <a:p>
+            <a:pPr marL="0" indent="0">
+              <a:buNone/>
+            </a:pPr>
+            <a:r>
+              <a:rPr lang="en-US" dirty="0"/>
+              <a:t>These types are iterators because they implement following methods. In fact, any object that wants to be an iterator must implement following methods.</a:t>
+            </a:r>
+          </a:p>
+          <a:p>
+            <a:pPr fontAlgn="base"/>
+            <a:r>
+              <a:rPr lang="en-US" b="1" dirty="0"/>
+              <a:t>__</a:t>
+            </a:r>
+            <a:r>
+              <a:rPr lang="en-US" b="1" dirty="0" err="1"/>
+              <a:t>iter</a:t>
+            </a:r>
+            <a:r>
+              <a:rPr lang="en-US" b="1" dirty="0"/>
+              <a:t>__</a:t>
+            </a:r>
+            <a:r>
+              <a:rPr lang="en-US" dirty="0"/>
+              <a:t> method that is called on initialization of an iterator. This should return an object that has a next</a:t>
+            </a:r>
+          </a:p>
+          <a:p>
+            <a:pPr fontAlgn="base"/>
+            <a:r>
+              <a:rPr lang="en-US" b="1" dirty="0"/>
+              <a:t>next ()</a:t>
+            </a:r>
+            <a:r>
+              <a:rPr lang="en-US" dirty="0"/>
+              <a:t> The iterator next method should return the next value for the </a:t>
+            </a:r>
+            <a:r>
+              <a:rPr lang="en-US" dirty="0" err="1"/>
+              <a:t>iterable</a:t>
+            </a:r>
+            <a:r>
+              <a:rPr lang="en-US" dirty="0"/>
+              <a:t>. When an iterator is used with a ‘for in’ loop, the for loop implicitly calls next() on the iterator object. This method should raise a </a:t>
+            </a:r>
+            <a:r>
+              <a:rPr lang="en-US" dirty="0" err="1"/>
+              <a:t>StopIteration</a:t>
+            </a:r>
+            <a:r>
+              <a:rPr lang="en-US" dirty="0"/>
+              <a:t> to signal the end of the iteration.</a:t>
+            </a:r>
+          </a:p>
+          <a:p>
+            <a:pPr marL="0" indent="0">
+              <a:buNone/>
+            </a:pPr>
+            <a:endParaRPr lang="en-US" sz="6200" dirty="0"/>
+          </a:p>
+        </p:txBody>
+      </p:sp>
+    </p:spTree>
+    <p:extLst>
+      <p:ext uri="{BB962C8B-B14F-4D97-AF65-F5344CB8AC3E}">
+        <p14:creationId xmlns:p14="http://schemas.microsoft.com/office/powerpoint/2010/main" val="4096766491"/>
+      </p:ext>
+    </p:extLst>
+  </p:cSld>
+  <p:clrMapOvr>
+    <a:masterClrMapping/>
+  </p:clrMapOvr>
+</p:sld>
+</file>
+
+<file path=ppt/slides/slide7.xml><?xml version="1.0" encoding="utf-8"?>
+<p:sld xmlns:a="http://schemas.openxmlformats.org/drawingml/2006/main" xmlns:r="http://schemas.openxmlformats.org/officeDocument/2006/relationships" xmlns:p="http://schemas.openxmlformats.org/presentationml/2006/main">
+  <p:cSld>
+    <p:spTree>
+      <p:nvGrpSpPr>
+        <p:cNvPr id="1" name=""/>
+        <p:cNvGrpSpPr/>
+        <p:nvPr/>
+      </p:nvGrpSpPr>
+      <p:grpSpPr>
+        <a:xfrm>
+          <a:off x="0" y="0"/>
+          <a:ext cx="0" cy="0"/>
+          <a:chOff x="0" y="0"/>
+          <a:chExt cx="0" cy="0"/>
+        </a:xfrm>
+      </p:grpSpPr>
+      <p:sp>
+        <p:nvSpPr>
+          <p:cNvPr id="2" name="Title 1"/>
+          <p:cNvSpPr>
+            <a:spLocks noGrp="1"/>
+          </p:cNvSpPr>
+          <p:nvPr>
+            <p:ph type="title"/>
+          </p:nvPr>
+        </p:nvSpPr>
+        <p:spPr/>
+        <p:txBody>
+          <a:bodyPr/>
+          <a:lstStyle/>
+          <a:p>
+            <a:r>
+              <a:rPr lang="en-US" b="1" dirty="0"/>
+              <a:t>Building Your Own Iterator in Python</a:t>
+            </a:r>
+            <a:br>
+              <a:rPr lang="en-US" b="1" dirty="0"/>
+            </a:br>
+            <a:endParaRPr lang="en-US" dirty="0"/>
+          </a:p>
+        </p:txBody>
+      </p:sp>
+      <p:sp>
+        <p:nvSpPr>
+          <p:cNvPr id="3" name="Content Placeholder 2"/>
+          <p:cNvSpPr>
+            <a:spLocks noGrp="1"/>
+          </p:cNvSpPr>
+          <p:nvPr>
+            <p:ph idx="1"/>
+          </p:nvPr>
+        </p:nvSpPr>
+        <p:spPr>
+          <a:xfrm>
+            <a:off x="838200" y="1443789"/>
+            <a:ext cx="10515600" cy="4733174"/>
+          </a:xfrm>
+        </p:spPr>
+        <p:txBody>
+          <a:bodyPr/>
+          <a:lstStyle/>
+          <a:p>
+            <a:r>
+              <a:rPr lang="en-US" dirty="0"/>
+              <a:t>Building an iterator from scratch is easy in Python. We just have to implement the methods </a:t>
+            </a:r>
+          </a:p>
+          <a:p>
+            <a:r>
+              <a:rPr lang="en-US" dirty="0"/>
+              <a:t>__</a:t>
+            </a:r>
+            <a:r>
+              <a:rPr lang="en-US" dirty="0" err="1"/>
+              <a:t>iter</a:t>
+            </a:r>
+            <a:r>
+              <a:rPr lang="en-US" dirty="0"/>
+              <a:t>__() and __next__().</a:t>
+            </a:r>
+          </a:p>
+          <a:p>
+            <a:r>
+              <a:rPr lang="en-US" dirty="0"/>
+              <a:t>The __</a:t>
+            </a:r>
+            <a:r>
+              <a:rPr lang="en-US" dirty="0" err="1"/>
+              <a:t>iter</a:t>
+            </a:r>
+            <a:r>
+              <a:rPr lang="en-US" dirty="0"/>
+              <a:t>__() method returns the iterator object itself. If required, some initialization can be performed.</a:t>
+            </a:r>
+          </a:p>
+          <a:p>
+            <a:r>
+              <a:rPr lang="en-US" dirty="0"/>
+              <a:t>The __next__() method must return the next item in the sequence. On reaching the end, and in subsequent calls, it must raise </a:t>
+            </a:r>
+            <a:r>
+              <a:rPr lang="en-US" dirty="0" err="1"/>
+              <a:t>StopIteration</a:t>
+            </a:r>
+            <a:r>
+              <a:rPr lang="en-US" dirty="0"/>
+              <a:t>.</a:t>
+            </a:r>
+          </a:p>
+          <a:p>
+            <a:r>
+              <a:rPr lang="en-US" dirty="0"/>
+              <a:t>Here, we show an example that will give us next power of 2 in each iteration. Power exponent starts from zero up to a user set number.</a:t>
+            </a:r>
+          </a:p>
+          <a:p>
+            <a:endParaRPr lang="en-US" dirty="0"/>
+          </a:p>
+        </p:txBody>
+      </p:sp>
+    </p:spTree>
+    <p:extLst>
+      <p:ext uri="{BB962C8B-B14F-4D97-AF65-F5344CB8AC3E}">
+        <p14:creationId xmlns:p14="http://schemas.microsoft.com/office/powerpoint/2010/main" val="4068848808"/>
+      </p:ext>
+    </p:extLst>
+  </p:cSld>
+  <p:clrMapOvr>
+    <a:masterClrMapping/>
+  </p:clrMapOvr>
+</p:sld>
+</file>
+
+<file path=ppt/slides/slide8.xml><?xml version="1.0" encoding="utf-8"?>
+<p:sld xmlns:a="http://schemas.openxmlformats.org/drawingml/2006/main" xmlns:r="http://schemas.openxmlformats.org/officeDocument/2006/relationships" xmlns:p="http://schemas.openxmlformats.org/presentationml/2006/main">
+  <p:cSld>
+    <p:spTree>
+      <p:nvGrpSpPr>
+        <p:cNvPr id="1" name=""/>
+        <p:cNvGrpSpPr/>
+        <p:nvPr/>
+      </p:nvGrpSpPr>
+      <p:grpSpPr>
+        <a:xfrm>
+          <a:off x="0" y="0"/>
+          <a:ext cx="0" cy="0"/>
+          <a:chOff x="0" y="0"/>
+          <a:chExt cx="0" cy="0"/>
+        </a:xfrm>
+      </p:grpSpPr>
+      <p:sp>
+        <p:nvSpPr>
+          <p:cNvPr id="2" name="Title 1"/>
+          <p:cNvSpPr>
+            <a:spLocks noGrp="1"/>
+          </p:cNvSpPr>
+          <p:nvPr>
+            <p:ph type="title"/>
+          </p:nvPr>
+        </p:nvSpPr>
+        <p:spPr/>
+        <p:txBody>
+          <a:bodyPr/>
+          <a:lstStyle/>
+          <a:p>
+            <a:r>
+              <a:rPr lang="en-US" b="1" dirty="0"/>
+              <a:t>Building Your Own Iterator in Python</a:t>
+            </a:r>
+            <a:br>
+              <a:rPr lang="en-US" b="1" dirty="0"/>
+            </a:br>
+            <a:endParaRPr lang="en-US" dirty="0"/>
+          </a:p>
+        </p:txBody>
+      </p:sp>
+      <p:sp>
+        <p:nvSpPr>
+          <p:cNvPr id="3" name="Content Placeholder 2"/>
+          <p:cNvSpPr>
+            <a:spLocks noGrp="1"/>
+          </p:cNvSpPr>
+          <p:nvPr>
+            <p:ph idx="1"/>
+          </p:nvPr>
+        </p:nvSpPr>
+        <p:spPr>
+          <a:xfrm>
+            <a:off x="838200" y="1241659"/>
+            <a:ext cx="10515600" cy="4935304"/>
+          </a:xfrm>
+        </p:spPr>
+        <p:txBody>
+          <a:bodyPr>
+            <a:normAutofit fontScale="47500" lnSpcReduction="20000"/>
+          </a:bodyPr>
+          <a:lstStyle/>
+          <a:p>
+            <a:pPr marL="0" indent="0">
+              <a:buNone/>
+            </a:pPr>
+            <a:r>
+              <a:rPr lang="en-US" dirty="0"/>
+              <a:t>class </a:t>
+            </a:r>
+            <a:r>
+              <a:rPr lang="en-US" dirty="0" err="1"/>
+              <a:t>PowTwo</a:t>
+            </a:r>
+            <a:r>
+              <a:rPr lang="en-US" dirty="0"/>
+              <a:t>:</a:t>
+            </a:r>
+          </a:p>
+          <a:p>
+            <a:pPr marL="0" indent="0">
+              <a:buNone/>
+            </a:pPr>
+            <a:r>
+              <a:rPr lang="en-US" dirty="0"/>
+              <a:t>    """Class to implement an iterator</a:t>
+            </a:r>
+          </a:p>
+          <a:p>
+            <a:pPr marL="0" indent="0">
+              <a:buNone/>
+            </a:pPr>
+            <a:r>
+              <a:rPr lang="en-US" dirty="0"/>
+              <a:t>    of powers of two"""</a:t>
+            </a:r>
+          </a:p>
+          <a:p>
+            <a:pPr marL="0" indent="0">
+              <a:buNone/>
+            </a:pPr>
+            <a:r>
+              <a:rPr lang="en-US" dirty="0"/>
+              <a:t> </a:t>
+            </a:r>
+          </a:p>
+          <a:p>
+            <a:pPr marL="0" indent="0">
+              <a:buNone/>
+            </a:pPr>
+            <a:r>
+              <a:rPr lang="en-US" dirty="0"/>
+              <a:t>    def __</a:t>
+            </a:r>
+            <a:r>
+              <a:rPr lang="en-US" dirty="0" err="1"/>
+              <a:t>init</a:t>
+            </a:r>
+            <a:r>
+              <a:rPr lang="en-US" dirty="0"/>
+              <a:t>__(self, max = 0):</a:t>
+            </a:r>
+          </a:p>
+          <a:p>
+            <a:pPr marL="0" indent="0">
+              <a:buNone/>
+            </a:pPr>
+            <a:r>
+              <a:rPr lang="en-US" dirty="0"/>
+              <a:t>        </a:t>
+            </a:r>
+            <a:r>
+              <a:rPr lang="en-US" dirty="0" err="1"/>
+              <a:t>self.max</a:t>
+            </a:r>
+            <a:r>
+              <a:rPr lang="en-US" dirty="0"/>
+              <a:t> = max</a:t>
+            </a:r>
+          </a:p>
+          <a:p>
+            <a:pPr marL="0" indent="0">
+              <a:buNone/>
+            </a:pPr>
+            <a:r>
+              <a:rPr lang="en-US" dirty="0"/>
+              <a:t> </a:t>
+            </a:r>
+          </a:p>
+          <a:p>
+            <a:pPr marL="0" indent="0">
+              <a:buNone/>
+            </a:pPr>
+            <a:r>
+              <a:rPr lang="en-US" dirty="0"/>
+              <a:t>    def __</a:t>
+            </a:r>
+            <a:r>
+              <a:rPr lang="en-US" dirty="0" err="1"/>
+              <a:t>iter</a:t>
+            </a:r>
+            <a:r>
+              <a:rPr lang="en-US" dirty="0"/>
+              <a:t>__(self):</a:t>
+            </a:r>
+          </a:p>
+          <a:p>
+            <a:pPr marL="0" indent="0">
+              <a:buNone/>
+            </a:pPr>
+            <a:r>
+              <a:rPr lang="en-US" dirty="0"/>
+              <a:t>        </a:t>
+            </a:r>
+            <a:r>
+              <a:rPr lang="en-US" dirty="0" err="1"/>
+              <a:t>self.n</a:t>
+            </a:r>
+            <a:r>
+              <a:rPr lang="en-US" dirty="0"/>
+              <a:t> = 0</a:t>
+            </a:r>
+          </a:p>
+          <a:p>
+            <a:pPr marL="0" indent="0">
+              <a:buNone/>
+            </a:pPr>
+            <a:r>
+              <a:rPr lang="en-US" dirty="0"/>
+              <a:t>        return self</a:t>
+            </a:r>
+          </a:p>
+          <a:p>
+            <a:pPr marL="0" indent="0">
+              <a:buNone/>
+            </a:pPr>
+            <a:r>
+              <a:rPr lang="en-US" dirty="0"/>
+              <a:t> </a:t>
+            </a:r>
+          </a:p>
+          <a:p>
+            <a:pPr marL="0" indent="0">
+              <a:buNone/>
+            </a:pPr>
+            <a:r>
+              <a:rPr lang="en-US" dirty="0"/>
+              <a:t>    def __next__(self):</a:t>
+            </a:r>
+          </a:p>
+          <a:p>
+            <a:pPr marL="0" indent="0">
+              <a:buNone/>
+            </a:pPr>
+            <a:r>
+              <a:rPr lang="en-US" dirty="0"/>
+              <a:t>        if </a:t>
+            </a:r>
+            <a:r>
+              <a:rPr lang="en-US" dirty="0" err="1"/>
+              <a:t>self.n</a:t>
+            </a:r>
+            <a:r>
+              <a:rPr lang="en-US" dirty="0"/>
+              <a:t> &lt;= </a:t>
+            </a:r>
+            <a:r>
+              <a:rPr lang="en-US" dirty="0" err="1"/>
+              <a:t>self.max</a:t>
+            </a:r>
+            <a:r>
+              <a:rPr lang="en-US" dirty="0"/>
+              <a:t>:</a:t>
+            </a:r>
+          </a:p>
+          <a:p>
+            <a:pPr marL="0" indent="0">
+              <a:buNone/>
+            </a:pPr>
+            <a:r>
+              <a:rPr lang="en-US" dirty="0"/>
+              <a:t>            result = 2 ** </a:t>
+            </a:r>
+            <a:r>
+              <a:rPr lang="en-US" dirty="0" err="1"/>
+              <a:t>self.n</a:t>
+            </a:r>
+            <a:endParaRPr lang="en-US" dirty="0"/>
+          </a:p>
+          <a:p>
+            <a:pPr marL="0" indent="0">
+              <a:buNone/>
+            </a:pPr>
+            <a:r>
+              <a:rPr lang="en-US" dirty="0"/>
+              <a:t>            </a:t>
+            </a:r>
+            <a:r>
+              <a:rPr lang="en-US" dirty="0" err="1"/>
+              <a:t>self.n</a:t>
+            </a:r>
+            <a:r>
+              <a:rPr lang="en-US" dirty="0"/>
+              <a:t> += 1</a:t>
+            </a:r>
+          </a:p>
+          <a:p>
+            <a:pPr marL="0" indent="0">
+              <a:buNone/>
+            </a:pPr>
+            <a:r>
+              <a:rPr lang="en-US" dirty="0"/>
+              <a:t>            return result</a:t>
+            </a:r>
+          </a:p>
+          <a:p>
+            <a:pPr marL="0" indent="0">
+              <a:buNone/>
+            </a:pPr>
+            <a:r>
+              <a:rPr lang="en-US" dirty="0"/>
+              <a:t>        else:</a:t>
+            </a:r>
+          </a:p>
+          <a:p>
+            <a:pPr marL="0" indent="0">
+              <a:buNone/>
+            </a:pPr>
+            <a:r>
+              <a:rPr lang="en-US" dirty="0"/>
+              <a:t>            raise </a:t>
+            </a:r>
+            <a:r>
+              <a:rPr lang="en-US" dirty="0" err="1"/>
+              <a:t>StopIteration</a:t>
+            </a:r>
+            <a:endParaRPr lang="en-US" dirty="0"/>
+          </a:p>
+          <a:p>
+            <a:endParaRPr lang="en-US" dirty="0"/>
+          </a:p>
+        </p:txBody>
+      </p:sp>
+    </p:spTree>
+    <p:extLst>
+      <p:ext uri="{BB962C8B-B14F-4D97-AF65-F5344CB8AC3E}">
+        <p14:creationId xmlns:p14="http://schemas.microsoft.com/office/powerpoint/2010/main" val="3415487330"/>
+      </p:ext>
+    </p:extLst>
+  </p:cSld>
+  <p:clrMapOvr>
+    <a:masterClrMapping/>
+  </p:clrMapOvr>
+</p:sld>
+</file>
+
+<file path=ppt/slides/slide9.xml><?xml version="1.0" encoding="utf-8"?>
+<p:sld xmlns:a="http://schemas.openxmlformats.org/drawingml/2006/main" xmlns:r="http://schemas.openxmlformats.org/officeDocument/2006/relationships" xmlns:p="http://schemas.openxmlformats.org/presentationml/2006/main">
+  <p:cSld>
+    <p:spTree>
+      <p:nvGrpSpPr>
+        <p:cNvPr id="1" name=""/>
+        <p:cNvGrpSpPr/>
+        <p:nvPr/>
+      </p:nvGrpSpPr>
+      <p:grpSpPr>
+        <a:xfrm>
+          <a:off x="0" y="0"/>
+          <a:ext cx="0" cy="0"/>
+          <a:chOff x="0" y="0"/>
+          <a:chExt cx="0" cy="0"/>
+        </a:xfrm>
+      </p:grpSpPr>
+      <p:sp>
+        <p:nvSpPr>
+          <p:cNvPr id="2" name="Title 1"/>
+          <p:cNvSpPr>
+            <a:spLocks noGrp="1"/>
+          </p:cNvSpPr>
+          <p:nvPr>
+            <p:ph type="title"/>
+          </p:nvPr>
+        </p:nvSpPr>
+        <p:spPr>
+          <a:xfrm>
+            <a:off x="838200" y="365125"/>
+            <a:ext cx="10515600" cy="598971"/>
+          </a:xfrm>
+        </p:spPr>
+        <p:txBody>
+          <a:bodyPr>
+            <a:normAutofit fontScale="90000"/>
+          </a:bodyPr>
+          <a:lstStyle/>
+          <a:p>
+            <a:r>
+              <a:rPr lang="en-US" b="1" dirty="0"/>
+              <a:t>Iterators example</a:t>
+            </a:r>
+          </a:p>
+        </p:txBody>
+      </p:sp>
+      <p:sp>
+        <p:nvSpPr>
+          <p:cNvPr id="3" name="Content Placeholder 2"/>
+          <p:cNvSpPr>
+            <a:spLocks noGrp="1"/>
+          </p:cNvSpPr>
+          <p:nvPr>
+            <p:ph idx="1"/>
+          </p:nvPr>
+        </p:nvSpPr>
+        <p:spPr>
+          <a:xfrm>
+            <a:off x="838200" y="1321904"/>
+            <a:ext cx="10515600" cy="5290652"/>
           </a:xfrm>
         </p:spPr>
         <p:txBody>
@@ -3741,8 +5759,48 @@
             </a:pPr>
             <a:r>
               <a:rPr lang="en-US" sz="6200" dirty="0"/>
-              <a:t>class Person:</a:t>
-            </a:r>
+              <a:t># An </a:t>
+            </a:r>
+            <a:r>
+              <a:rPr lang="en-US" sz="6200" dirty="0" err="1"/>
+              <a:t>iterable</a:t>
+            </a:r>
+            <a:r>
+              <a:rPr lang="en-US" sz="6200" dirty="0"/>
+              <a:t> user defined type</a:t>
+            </a:r>
+          </a:p>
+          <a:p>
+            <a:pPr marL="0" indent="0">
+              <a:buNone/>
+            </a:pPr>
+            <a:r>
+              <a:rPr lang="en-US" sz="6200" dirty="0"/>
+              <a:t>class Test:</a:t>
+            </a:r>
+          </a:p>
+          <a:p>
+            <a:pPr marL="0" indent="0">
+              <a:buNone/>
+            </a:pPr>
+            <a:r>
+              <a:rPr lang="en-US" sz="6200" dirty="0"/>
+              <a:t> </a:t>
+            </a:r>
+          </a:p>
+          <a:p>
+            <a:pPr marL="0" indent="0">
+              <a:buNone/>
+            </a:pPr>
+            <a:r>
+              <a:rPr lang="en-US" sz="6200" dirty="0"/>
+              <a:t>    # </a:t>
+            </a:r>
+            <a:r>
+              <a:rPr lang="en-US" sz="6200" dirty="0" err="1"/>
+              <a:t>Cosntructor</a:t>
+            </a:r>
+            <a:endParaRPr lang="en-US" sz="6200" dirty="0"/>
           </a:p>
           <a:p>
             <a:pPr marL="0" indent="0">
@@ -3758,7 +5816,7 @@
             </a:r>
             <a:r>
               <a:rPr lang="en-US" sz="6200" dirty="0"/>
-              <a:t>__(self, first, last):</a:t>
+              <a:t>__(self, limit):</a:t>
             </a:r>
           </a:p>
           <a:p>
@@ -3771,11 +5829,46 @@
             </a:r>
             <a:r>
               <a:rPr lang="en-US" sz="6200" dirty="0" err="1"/>
-              <a:t>self.firstname</a:t>
+              <a:t>self.limit</a:t>
             </a:r>
             <a:r>
               <a:rPr lang="en-US" sz="6200" dirty="0"/>
-              <a:t> = first</a:t>
+              <a:t> = limit</a:t>
+            </a:r>
+          </a:p>
+          <a:p>
+            <a:pPr marL="0" indent="0">
+              <a:buNone/>
+            </a:pPr>
+            <a:r>
+              <a:rPr lang="en-US" sz="6200" dirty="0"/>
+              <a:t> </a:t>
+            </a:r>
+          </a:p>
+          <a:p>
+            <a:pPr marL="0" indent="0">
+              <a:buNone/>
+            </a:pPr>
+            <a:r>
+              <a:rPr lang="en-US" sz="6200" dirty="0"/>
+              <a:t>    # Called when iteration is initialized</a:t>
+            </a:r>
+          </a:p>
+          <a:p>
+            <a:pPr marL="0" indent="0">
+              <a:buNone/>
+            </a:pPr>
+            <a:r>
+              <a:rPr lang="en-US" sz="6200" dirty="0"/>
+              <a:t>    def __</a:t>
+            </a:r>
+            <a:r>
+              <a:rPr lang="en-US" sz="6200" dirty="0" err="1"/>
+              <a:t>iter</a:t>
+            </a:r>
+            <a:r>
+              <a:rPr lang="en-US" sz="6200" dirty="0"/>
+              <a:t>__(self):</a:t>
             </a:r>
           </a:p>
           <a:p>
@@ -3788,11 +5881,11 @@
             </a:r>
             <a:r>
               <a:rPr lang="en-US" sz="6200" dirty="0" err="1"/>
-              <a:t>self.lastname</a:t>
+              <a:t>self.x</a:t>
             </a:r>
             <a:r>
               <a:rPr lang="en-US" sz="6200" dirty="0"/>
-              <a:t> = last</a:t>
+              <a:t> = 10</a:t>
             </a:r>
           </a:p>
           <a:p>
@@ -3801,7 +5894,7 @@
             </a:pPr>
             <a:r>
               <a:rPr lang="en-US" sz="6200" dirty="0"/>
-              <a:t>    </a:t>
+              <a:t>        return self</a:t>
             </a:r>
           </a:p>
           <a:p>
@@ -3810,7 +5903,7 @@
             </a:pPr>
             <a:r>
               <a:rPr lang="en-US" sz="6200" dirty="0"/>
-              <a:t>def Name(self):</a:t>
+              <a:t>     def next(self):</a:t>
             </a:r>
           </a:p>
           <a:p>
@@ -3819,19 +5912,34 @@
             </a:pPr>
             <a:r>
               <a:rPr lang="en-US" sz="6200" dirty="0"/>
-              <a:t>        return </a:t>
+              <a:t> </a:t>
+            </a:r>
+          </a:p>
+          <a:p>
+            <a:pPr marL="0" indent="0">
+              <a:buNone/>
+            </a:pPr>
+            <a:r>
+              <a:rPr lang="en-US" sz="6200" dirty="0"/>
+              <a:t>        # Store current value </a:t>
             </a:r>
             <a:r>
               <a:rPr lang="en-US" sz="6200" dirty="0" err="1"/>
-              <a:t>self.firstname</a:t>
-            </a:r>
+              <a:t>ofx</a:t>
+            </a:r>
+            <a:endParaRPr lang="en-US" sz="6200" dirty="0"/>
+          </a:p>
+          <a:p>
+            <a:pPr marL="0" indent="0">
+              <a:buNone/>
+            </a:pPr>
             <a:r>
               <a:rPr lang="en-US" sz="6200" dirty="0"/>
-              <a:t> + " " + </a:t>
+              <a:t>        x = </a:t>
             </a:r>
             <a:r>
               <a:rPr lang="en-US" sz="6200" dirty="0" err="1"/>
-              <a:t>self.lastname</a:t>
+              <a:t>self.x</a:t>
             </a:r>
             <a:endParaRPr lang="en-US" sz="6200" dirty="0"/>
           </a:p>
@@ -3839,187 +5947,23 @@
             <a:pPr marL="0" indent="0">
               <a:buNone/>
             </a:pPr>
-            <a:endParaRPr lang="en-US" sz="6200" dirty="0"/>
-          </a:p>
-          <a:p>
-            <a:pPr marL="0" indent="0">
-              <a:buNone/>
-            </a:pPr>
-            <a:r>
-              <a:rPr lang="en-US" sz="6200" dirty="0"/>
-              <a:t>class Employee(Person):</a:t>
-            </a:r>
-          </a:p>
-          <a:p>
-            <a:pPr marL="0" indent="0">
-              <a:buNone/>
-            </a:pPr>
-            <a:r>
-              <a:rPr lang="en-US" sz="6200" dirty="0"/>
-              <a:t>    def __</a:t>
-            </a:r>
-            <a:r>
-              <a:rPr lang="en-US" sz="6200" dirty="0" err="1"/>
-              <a:t>init</a:t>
-            </a:r>
-            <a:r>
-              <a:rPr lang="en-US" sz="6200" dirty="0"/>
-              <a:t>__(self, first, last, </a:t>
-            </a:r>
-            <a:r>
-              <a:rPr lang="en-US" sz="6200" dirty="0" err="1"/>
-              <a:t>staffnum</a:t>
-            </a:r>
-            <a:r>
-              <a:rPr lang="en-US" sz="6200" dirty="0"/>
-              <a:t>):</a:t>
-            </a:r>
-          </a:p>
-          <a:p>
-            <a:pPr marL="0" indent="0">
-              <a:buNone/>
-            </a:pPr>
-            <a:r>
-              <a:rPr lang="en-US" sz="6200" dirty="0"/>
-              <a:t>        Person.__</a:t>
-            </a:r>
-            <a:r>
-              <a:rPr lang="en-US" sz="6200" dirty="0" err="1"/>
-              <a:t>init</a:t>
-            </a:r>
-            <a:r>
-              <a:rPr lang="en-US" sz="6200" dirty="0"/>
-              <a:t>__(</a:t>
-            </a:r>
-            <a:r>
-              <a:rPr lang="en-US" sz="6200" dirty="0" err="1"/>
-              <a:t>self,first</a:t>
-            </a:r>
-            <a:r>
-              <a:rPr lang="en-US" sz="6200" dirty="0"/>
-              <a:t>, last)</a:t>
-            </a:r>
-          </a:p>
-          <a:p>
-            <a:pPr marL="0" indent="0">
-              <a:buNone/>
-            </a:pPr>
-            <a:r>
-              <a:rPr lang="en-US" sz="6200" dirty="0"/>
-              <a:t>        </a:t>
-            </a:r>
-            <a:r>
-              <a:rPr lang="en-US" sz="6200" dirty="0" err="1"/>
-              <a:t>self.staffnumber</a:t>
-            </a:r>
-            <a:r>
-              <a:rPr lang="en-US" sz="6200" dirty="0"/>
-              <a:t> = </a:t>
-            </a:r>
-            <a:r>
-              <a:rPr lang="en-US" sz="6200" dirty="0" err="1"/>
-              <a:t>staffnum</a:t>
-            </a:r>
-            <a:endParaRPr lang="en-US" sz="6200" dirty="0"/>
-          </a:p>
-          <a:p>
-            <a:pPr marL="0" indent="0">
-              <a:buNone/>
-            </a:pPr>
-            <a:endParaRPr lang="en-US" sz="6200" dirty="0"/>
-          </a:p>
-          <a:p>
-            <a:pPr marL="0" indent="0">
-              <a:buNone/>
-            </a:pPr>
-            <a:r>
-              <a:rPr lang="en-US" sz="6200" dirty="0"/>
-              <a:t>    def </a:t>
-            </a:r>
-            <a:r>
-              <a:rPr lang="en-US" sz="6200" dirty="0" err="1"/>
-              <a:t>GetEmployee</a:t>
-            </a:r>
-            <a:r>
-              <a:rPr lang="en-US" sz="6200" dirty="0"/>
-              <a:t>(self):</a:t>
-            </a:r>
-          </a:p>
-          <a:p>
-            <a:pPr marL="0" indent="0">
-              <a:buNone/>
-            </a:pPr>
-            <a:r>
-              <a:rPr lang="en-US" sz="6200" dirty="0"/>
-              <a:t>        return </a:t>
-            </a:r>
-            <a:r>
-              <a:rPr lang="en-US" sz="6200" dirty="0" err="1"/>
-              <a:t>self.Name</a:t>
-            </a:r>
-            <a:r>
-              <a:rPr lang="en-US" sz="6200" dirty="0"/>
-              <a:t>() + ", " +  </a:t>
-            </a:r>
-            <a:r>
-              <a:rPr lang="en-US" sz="6200" dirty="0" err="1"/>
-              <a:t>self.staffnumber</a:t>
-            </a:r>
-            <a:endParaRPr lang="en-US" sz="6200" dirty="0"/>
-          </a:p>
-          <a:p>
-            <a:pPr marL="0" indent="0">
-              <a:buNone/>
-            </a:pPr>
-            <a:endParaRPr lang="en-US" sz="6200" dirty="0"/>
-          </a:p>
-          <a:p>
-            <a:pPr marL="0" indent="0">
-              <a:buNone/>
-            </a:pPr>
-            <a:r>
-              <a:rPr lang="en-US" sz="6200" dirty="0"/>
-              <a:t>x = Person("Marge", "Simpson")</a:t>
-            </a:r>
-          </a:p>
-          <a:p>
-            <a:pPr marL="0" indent="0">
-              <a:buNone/>
-            </a:pPr>
-            <a:r>
-              <a:rPr lang="en-US" sz="6200" dirty="0"/>
-              <a:t>y = Employee("Homer", "Simpson", "1007")</a:t>
-            </a:r>
-          </a:p>
-          <a:p>
-            <a:pPr marL="0" indent="0">
-              <a:buNone/>
-            </a:pPr>
-            <a:r>
-              <a:rPr lang="en-US" sz="6200" dirty="0"/>
-              <a:t>print(</a:t>
-            </a:r>
-            <a:r>
-              <a:rPr lang="en-US" sz="6200" dirty="0" err="1"/>
-              <a:t>x.Name</a:t>
-            </a:r>
-            <a:r>
-              <a:rPr lang="en-US" sz="6200" dirty="0"/>
-              <a:t>())</a:t>
-            </a:r>
-          </a:p>
-          <a:p>
-            <a:pPr marL="0" indent="0">
-              <a:buNone/>
-            </a:pPr>
-            <a:endParaRPr lang="en-US" sz="6200" dirty="0"/>
+            <a:r>
+              <a:rPr lang="en-US" dirty="0"/>
+              <a:t> </a:t>
+            </a:r>
+          </a:p>
+          <a:p>
+            <a:pPr marL="0" indent="0">
+              <a:buNone/>
+            </a:pPr>
+            <a:endParaRPr lang="en-US" dirty="0"/>
           </a:p>
         </p:txBody>
       </p:sp>
     </p:spTree>
     <p:extLst>
       <p:ext uri="{BB962C8B-B14F-4D97-AF65-F5344CB8AC3E}">
-        <p14:creationId xmlns="" xmlns:p14="http://schemas.microsoft.com/office/powerpoint/2010/main" val="4096766491"/>
+        <p14:creationId xmlns:p14="http://schemas.microsoft.com/office/powerpoint/2010/main" val="3881636841"/>
       </p:ext>
     </p:extLst>
   </p:cSld>
@@ -4318,7 +6262,7 @@
   <a:extraClrSchemeLst/>
   <a:extLst>
     <a:ext uri="{05A4C25C-085E-4340-85A3-A5531E510DB2}">
-      <thm15:themeFamily xmlns="" xmlns:thm15="http://schemas.microsoft.com/office/thememl/2012/main" name="Office Theme" id="{62F939B6-93AF-4DB8-9C6B-D6C7DFDC589F}" vid="{4A3C46E8-61CC-4603-A589-7422A47A8E4A}"/>
+      <thm15:themeFamily xmlns:thm15="http://schemas.microsoft.com/office/thememl/2012/main" name="Office Theme" id="{62F939B6-93AF-4DB8-9C6B-D6C7DFDC589F}" vid="{4A3C46E8-61CC-4603-A589-7422A47A8E4A}"/>
     </a:ext>
   </a:extLst>
 </a:theme>
@@ -4613,7 +6557,7 @@
   <a:extraClrSchemeLst/>
   <a:extLst>
     <a:ext uri="{05A4C25C-085E-4340-85A3-A5531E510DB2}">
-      <thm15:themeFamily xmlns="" xmlns:thm15="http://schemas.microsoft.com/office/thememl/2012/main" name="Office Theme" id="{62F939B6-93AF-4DB8-9C6B-D6C7DFDC589F}" vid="{4A3C46E8-61CC-4603-A589-7422A47A8E4A}"/>
+      <thm15:themeFamily xmlns:thm15="http://schemas.microsoft.com/office/thememl/2012/main" name="Office Theme" id="{62F939B6-93AF-4DB8-9C6B-D6C7DFDC589F}" vid="{4A3C46E8-61CC-4603-A589-7422A47A8E4A}"/>
     </a:ext>
   </a:extLst>
 </a:theme>
